--- a/Presentacion1.pptx
+++ b/Presentacion1.pptx
@@ -7,9 +7,10 @@
   <p:sldIdLst>
     <p:sldId id="256" r:id="rId2"/>
     <p:sldId id="257" r:id="rId3"/>
-    <p:sldId id="258" r:id="rId4"/>
-    <p:sldId id="259" r:id="rId5"/>
-    <p:sldId id="260" r:id="rId6"/>
+    <p:sldId id="261" r:id="rId4"/>
+    <p:sldId id="258" r:id="rId5"/>
+    <p:sldId id="259" r:id="rId6"/>
+    <p:sldId id="260" r:id="rId7"/>
   </p:sldIdLst>
   <p:sldSz cx="12192000" cy="6858000"/>
   <p:notesSz cx="6858000" cy="9144000"/>
@@ -108,7 +109,111 @@
       </a:defRPr>
     </a:lvl9pPr>
   </p:defaultTextStyle>
+  <p:extLst>
+    <p:ext uri="{EFAFB233-063F-42B5-8137-9DF3F51BA10A}">
+      <p15:sldGuideLst xmlns:p15="http://schemas.microsoft.com/office/powerpoint/2012/main"/>
+    </p:ext>
+  </p:extLst>
 </p:presentation>
+</file>
+
+<file path=ppt/changesInfos/changesInfo1.xml><?xml version="1.0" encoding="utf-8"?>
+<pc:chgInfo xmlns:a="http://schemas.openxmlformats.org/drawingml/2006/main" xmlns:r="http://schemas.openxmlformats.org/officeDocument/2006/relationships" xmlns:ac="http://schemas.microsoft.com/office/drawing/2013/main/command" xmlns:pc="http://schemas.microsoft.com/office/powerpoint/2013/main/command">
+  <pc:docChgLst>
+    <pc:chgData name="Samuel Gonzalez" userId="14b959e4d93e70df" providerId="LiveId" clId="{ED61DCA1-FADB-4A0C-9775-F8BC733857A2}"/>
+    <pc:docChg chg="custSel addSld modSld">
+      <pc:chgData name="Samuel Gonzalez" userId="14b959e4d93e70df" providerId="LiveId" clId="{ED61DCA1-FADB-4A0C-9775-F8BC733857A2}" dt="2023-04-20T13:59:01.417" v="67" actId="20577"/>
+      <pc:docMkLst>
+        <pc:docMk/>
+      </pc:docMkLst>
+      <pc:sldChg chg="addSp modSp mod">
+        <pc:chgData name="Samuel Gonzalez" userId="14b959e4d93e70df" providerId="LiveId" clId="{ED61DCA1-FADB-4A0C-9775-F8BC733857A2}" dt="2023-04-20T13:58:29.908" v="57" actId="1076"/>
+        <pc:sldMkLst>
+          <pc:docMk/>
+          <pc:sldMk cId="364254758" sldId="257"/>
+        </pc:sldMkLst>
+        <pc:spChg chg="mod">
+          <ac:chgData name="Samuel Gonzalez" userId="14b959e4d93e70df" providerId="LiveId" clId="{ED61DCA1-FADB-4A0C-9775-F8BC733857A2}" dt="2023-04-20T13:58:24.868" v="56" actId="14100"/>
+          <ac:spMkLst>
+            <pc:docMk/>
+            <pc:sldMk cId="364254758" sldId="257"/>
+            <ac:spMk id="2" creationId="{F773D440-9BC0-8DD9-63CC-169A9B5D0F23}"/>
+          </ac:spMkLst>
+        </pc:spChg>
+        <pc:spChg chg="mod">
+          <ac:chgData name="Samuel Gonzalez" userId="14b959e4d93e70df" providerId="LiveId" clId="{ED61DCA1-FADB-4A0C-9775-F8BC733857A2}" dt="2023-04-20T13:58:29.908" v="57" actId="1076"/>
+          <ac:spMkLst>
+            <pc:docMk/>
+            <pc:sldMk cId="364254758" sldId="257"/>
+            <ac:spMk id="3" creationId="{22253AD6-296F-22F1-2199-2CAFE420E565}"/>
+          </ac:spMkLst>
+        </pc:spChg>
+        <pc:picChg chg="add mod modCrop">
+          <ac:chgData name="Samuel Gonzalez" userId="14b959e4d93e70df" providerId="LiveId" clId="{ED61DCA1-FADB-4A0C-9775-F8BC733857A2}" dt="2023-04-20T13:58:14.937" v="50" actId="1076"/>
+          <ac:picMkLst>
+            <pc:docMk/>
+            <pc:sldMk cId="364254758" sldId="257"/>
+            <ac:picMk id="5" creationId="{C980DE9C-C9FF-EF76-CCB7-F41E924E9BDE}"/>
+          </ac:picMkLst>
+        </pc:picChg>
+      </pc:sldChg>
+      <pc:sldChg chg="modSp mod">
+        <pc:chgData name="Samuel Gonzalez" userId="14b959e4d93e70df" providerId="LiveId" clId="{ED61DCA1-FADB-4A0C-9775-F8BC733857A2}" dt="2023-04-20T13:59:01.417" v="67" actId="20577"/>
+        <pc:sldMkLst>
+          <pc:docMk/>
+          <pc:sldMk cId="2721453534" sldId="258"/>
+        </pc:sldMkLst>
+        <pc:spChg chg="mod">
+          <ac:chgData name="Samuel Gonzalez" userId="14b959e4d93e70df" providerId="LiveId" clId="{ED61DCA1-FADB-4A0C-9775-F8BC733857A2}" dt="2023-04-20T13:58:48.100" v="61" actId="1076"/>
+          <ac:spMkLst>
+            <pc:docMk/>
+            <pc:sldMk cId="2721453534" sldId="258"/>
+            <ac:spMk id="2" creationId="{0E4B2DAE-8D9B-FE45-ABDC-4811413913D6}"/>
+          </ac:spMkLst>
+        </pc:spChg>
+        <pc:spChg chg="mod">
+          <ac:chgData name="Samuel Gonzalez" userId="14b959e4d93e70df" providerId="LiveId" clId="{ED61DCA1-FADB-4A0C-9775-F8BC733857A2}" dt="2023-04-20T13:59:01.417" v="67" actId="20577"/>
+          <ac:spMkLst>
+            <pc:docMk/>
+            <pc:sldMk cId="2721453534" sldId="258"/>
+            <ac:spMk id="3" creationId="{A140B625-79CA-C712-498C-CA5FD72BC0E6}"/>
+          </ac:spMkLst>
+        </pc:spChg>
+      </pc:sldChg>
+      <pc:sldChg chg="addSp delSp modSp new mod">
+        <pc:chgData name="Samuel Gonzalez" userId="14b959e4d93e70df" providerId="LiveId" clId="{ED61DCA1-FADB-4A0C-9775-F8BC733857A2}" dt="2023-04-20T13:58:40.278" v="59" actId="1076"/>
+        <pc:sldMkLst>
+          <pc:docMk/>
+          <pc:sldMk cId="3793673652" sldId="261"/>
+        </pc:sldMkLst>
+        <pc:spChg chg="mod">
+          <ac:chgData name="Samuel Gonzalez" userId="14b959e4d93e70df" providerId="LiveId" clId="{ED61DCA1-FADB-4A0C-9775-F8BC733857A2}" dt="2023-04-20T13:58:38.406" v="58" actId="14100"/>
+          <ac:spMkLst>
+            <pc:docMk/>
+            <pc:sldMk cId="3793673652" sldId="261"/>
+            <ac:spMk id="2" creationId="{8A83645E-3D79-6870-7441-AC85574B3BD5}"/>
+          </ac:spMkLst>
+        </pc:spChg>
+        <pc:spChg chg="del">
+          <ac:chgData name="Samuel Gonzalez" userId="14b959e4d93e70df" providerId="LiveId" clId="{ED61DCA1-FADB-4A0C-9775-F8BC733857A2}" dt="2023-04-20T13:31:25.496" v="9" actId="478"/>
+          <ac:spMkLst>
+            <pc:docMk/>
+            <pc:sldMk cId="3793673652" sldId="261"/>
+            <ac:spMk id="3" creationId="{AC922214-2F27-207C-7E80-9430755110BB}"/>
+          </ac:spMkLst>
+        </pc:spChg>
+        <pc:picChg chg="add mod modCrop">
+          <ac:chgData name="Samuel Gonzalez" userId="14b959e4d93e70df" providerId="LiveId" clId="{ED61DCA1-FADB-4A0C-9775-F8BC733857A2}" dt="2023-04-20T13:58:40.278" v="59" actId="1076"/>
+          <ac:picMkLst>
+            <pc:docMk/>
+            <pc:sldMk cId="3793673652" sldId="261"/>
+            <ac:picMk id="5" creationId="{14CC2F97-E431-BFCA-8E39-73977CE2E60E}"/>
+          </ac:picMkLst>
+        </pc:picChg>
+      </pc:sldChg>
+    </pc:docChg>
+  </pc:docChgLst>
+</pc:chgInfo>
 </file>
 
 <file path=ppt/slideLayouts/slideLayout1.xml><?xml version="1.0" encoding="utf-8"?>
@@ -4217,7 +4322,12 @@
             <p:ph type="title"/>
           </p:nvPr>
         </p:nvSpPr>
-        <p:spPr/>
+        <p:spPr>
+          <a:xfrm>
+            <a:off x="424543" y="278407"/>
+            <a:ext cx="9905999" cy="731051"/>
+          </a:xfrm>
+        </p:spPr>
         <p:txBody>
           <a:bodyPr/>
           <a:lstStyle/>
@@ -4246,9 +4356,16 @@
             <p:ph idx="1"/>
           </p:nvPr>
         </p:nvSpPr>
-        <p:spPr/>
-        <p:txBody>
-          <a:bodyPr/>
+        <p:spPr>
+          <a:xfrm>
+            <a:off x="573833" y="897491"/>
+            <a:ext cx="9905999" cy="1641230"/>
+          </a:xfrm>
+        </p:spPr>
+        <p:txBody>
+          <a:bodyPr>
+            <a:normAutofit lnSpcReduction="10000"/>
+          </a:bodyPr>
           <a:lstStyle/>
           <a:p>
             <a:r>
@@ -4278,15 +4395,37 @@
               <a:t>Estos fueron los resultados obtenidos:</a:t>
             </a:r>
           </a:p>
-          <a:p>
-            <a:r>
-              <a:rPr lang="es-ES" dirty="0"/>
-              <a:t> </a:t>
-            </a:r>
-            <a:endParaRPr lang="es-MX" dirty="0"/>
-          </a:p>
-        </p:txBody>
-      </p:sp>
+        </p:txBody>
+      </p:sp>
+      <p:pic>
+        <p:nvPicPr>
+          <p:cNvPr id="5" name="Imagen 4">
+            <a:extLst>
+              <a:ext uri="{FF2B5EF4-FFF2-40B4-BE49-F238E27FC236}">
+                <a16:creationId xmlns:a16="http://schemas.microsoft.com/office/drawing/2014/main" id="{C980DE9C-C9FF-EF76-CCB7-F41E924E9BDE}"/>
+              </a:ext>
+            </a:extLst>
+          </p:cNvPr>
+          <p:cNvPicPr>
+            <a:picLocks noChangeAspect="1"/>
+          </p:cNvPicPr>
+          <p:nvPr/>
+        </p:nvPicPr>
+        <p:blipFill rotWithShape="1">
+          <a:blip r:embed="rId2"/>
+          <a:srcRect l="-1" t="9660" r="740" b="7347"/>
+          <a:stretch/>
+        </p:blipFill>
+        <p:spPr>
+          <a:xfrm>
+            <a:off x="1659293" y="2650688"/>
+            <a:ext cx="8462865" cy="3980223"/>
+          </a:xfrm>
+          <a:prstGeom prst="rect">
+            <a:avLst/>
+          </a:prstGeom>
+        </p:spPr>
+      </p:pic>
     </p:spTree>
     <p:extLst>
       <p:ext uri="{BB962C8B-B14F-4D97-AF65-F5344CB8AC3E}">
@@ -4322,7 +4461,7 @@
           <p:cNvPr id="2" name="Título 1">
             <a:extLst>
               <a:ext uri="{FF2B5EF4-FFF2-40B4-BE49-F238E27FC236}">
-                <a16:creationId xmlns:a16="http://schemas.microsoft.com/office/drawing/2014/main" id="{0E4B2DAE-8D9B-FE45-ABDC-4811413913D6}"/>
+                <a16:creationId xmlns:a16="http://schemas.microsoft.com/office/drawing/2014/main" id="{8A83645E-3D79-6870-7441-AC85574B3BD5}"/>
               </a:ext>
             </a:extLst>
           </p:cNvPr>
@@ -4333,78 +4472,57 @@
             <p:ph type="title"/>
           </p:nvPr>
         </p:nvSpPr>
-        <p:spPr/>
+        <p:spPr>
+          <a:xfrm>
+            <a:off x="1049694" y="266445"/>
+            <a:ext cx="9905999" cy="983857"/>
+          </a:xfrm>
+        </p:spPr>
         <p:txBody>
           <a:bodyPr/>
           <a:lstStyle/>
           <a:p>
             <a:r>
               <a:rPr lang="es-ES" dirty="0"/>
-              <a:t>PASO 2</a:t>
+              <a:t>Escalón en el acelerador.</a:t>
             </a:r>
             <a:endParaRPr lang="es-MX" dirty="0"/>
           </a:p>
         </p:txBody>
       </p:sp>
-      <p:sp>
-        <p:nvSpPr>
-          <p:cNvPr id="3" name="Marcador de contenido 2">
-            <a:extLst>
-              <a:ext uri="{FF2B5EF4-FFF2-40B4-BE49-F238E27FC236}">
-                <a16:creationId xmlns:a16="http://schemas.microsoft.com/office/drawing/2014/main" id="{A140B625-79CA-C712-498C-CA5FD72BC0E6}"/>
-              </a:ext>
-            </a:extLst>
-          </p:cNvPr>
-          <p:cNvSpPr>
-            <a:spLocks noGrp="1"/>
-          </p:cNvSpPr>
-          <p:nvPr>
-            <p:ph idx="1"/>
-          </p:nvPr>
-        </p:nvSpPr>
-        <p:spPr/>
-        <p:txBody>
-          <a:bodyPr/>
-          <a:lstStyle/>
-          <a:p>
-            <a:r>
-              <a:rPr lang="es-ES" dirty="0"/>
-              <a:t>En el segundo paso lo que se requería fue desarrollar dos </a:t>
-            </a:r>
-            <a:r>
-              <a:rPr lang="es-ES" dirty="0" err="1"/>
-              <a:t>controaldores</a:t>
-            </a:r>
-            <a:r>
-              <a:rPr lang="es-ES" dirty="0"/>
-              <a:t>, un tipo pole </a:t>
-            </a:r>
-            <a:r>
-              <a:rPr lang="es-ES" dirty="0" err="1"/>
-              <a:t>placement</a:t>
-            </a:r>
-            <a:r>
-              <a:rPr lang="es-ES" dirty="0"/>
-              <a:t> y el </a:t>
-            </a:r>
-            <a:r>
-              <a:rPr lang="es-ES" dirty="0" err="1"/>
-              <a:t>seguntipo</a:t>
-            </a:r>
-            <a:r>
-              <a:rPr lang="es-ES" dirty="0"/>
-              <a:t> LQR, lo que tenían que hacer era regresar a su posición original el avión cuando recibían perturbaciones.</a:t>
-            </a:r>
-          </a:p>
-          <a:p>
-            <a:endParaRPr lang="es-MX" dirty="0"/>
-          </a:p>
-        </p:txBody>
-      </p:sp>
+      <p:pic>
+        <p:nvPicPr>
+          <p:cNvPr id="5" name="Imagen 4">
+            <a:extLst>
+              <a:ext uri="{FF2B5EF4-FFF2-40B4-BE49-F238E27FC236}">
+                <a16:creationId xmlns:a16="http://schemas.microsoft.com/office/drawing/2014/main" id="{14CC2F97-E431-BFCA-8E39-73977CE2E60E}"/>
+              </a:ext>
+            </a:extLst>
+          </p:cNvPr>
+          <p:cNvPicPr>
+            <a:picLocks noChangeAspect="1"/>
+          </p:cNvPicPr>
+          <p:nvPr/>
+        </p:nvPicPr>
+        <p:blipFill rotWithShape="1">
+          <a:blip r:embed="rId2"/>
+          <a:srcRect t="8980" b="8571"/>
+          <a:stretch/>
+        </p:blipFill>
+        <p:spPr>
+          <a:xfrm>
+            <a:off x="782216" y="1405415"/>
+            <a:ext cx="10478278" cy="4859569"/>
+          </a:xfrm>
+          <a:prstGeom prst="rect">
+            <a:avLst/>
+          </a:prstGeom>
+        </p:spPr>
+      </p:pic>
     </p:spTree>
     <p:extLst>
       <p:ext uri="{BB962C8B-B14F-4D97-AF65-F5344CB8AC3E}">
-        <p14:creationId xmlns:p14="http://schemas.microsoft.com/office/powerpoint/2010/main" val="2721453534"/>
+        <p14:creationId xmlns:p14="http://schemas.microsoft.com/office/powerpoint/2010/main" val="3793673652"/>
       </p:ext>
     </p:extLst>
   </p:cSld>
@@ -4436,6 +4554,122 @@
           <p:cNvPr id="2" name="Título 1">
             <a:extLst>
               <a:ext uri="{FF2B5EF4-FFF2-40B4-BE49-F238E27FC236}">
+                <a16:creationId xmlns:a16="http://schemas.microsoft.com/office/drawing/2014/main" id="{0E4B2DAE-8D9B-FE45-ABDC-4811413913D6}"/>
+              </a:ext>
+            </a:extLst>
+          </p:cNvPr>
+          <p:cNvSpPr>
+            <a:spLocks noGrp="1"/>
+          </p:cNvSpPr>
+          <p:nvPr>
+            <p:ph type="title"/>
+          </p:nvPr>
+        </p:nvSpPr>
+        <p:spPr>
+          <a:xfrm>
+            <a:off x="807098" y="247784"/>
+            <a:ext cx="9905999" cy="797245"/>
+          </a:xfrm>
+        </p:spPr>
+        <p:txBody>
+          <a:bodyPr/>
+          <a:lstStyle/>
+          <a:p>
+            <a:r>
+              <a:rPr lang="es-ES" dirty="0"/>
+              <a:t>PASO 2</a:t>
+            </a:r>
+            <a:endParaRPr lang="es-MX" dirty="0"/>
+          </a:p>
+        </p:txBody>
+      </p:sp>
+      <p:sp>
+        <p:nvSpPr>
+          <p:cNvPr id="3" name="Marcador de contenido 2">
+            <a:extLst>
+              <a:ext uri="{FF2B5EF4-FFF2-40B4-BE49-F238E27FC236}">
+                <a16:creationId xmlns:a16="http://schemas.microsoft.com/office/drawing/2014/main" id="{A140B625-79CA-C712-498C-CA5FD72BC0E6}"/>
+              </a:ext>
+            </a:extLst>
+          </p:cNvPr>
+          <p:cNvSpPr>
+            <a:spLocks noGrp="1"/>
+          </p:cNvSpPr>
+          <p:nvPr>
+            <p:ph idx="1"/>
+          </p:nvPr>
+        </p:nvSpPr>
+        <p:spPr>
+          <a:xfrm>
+            <a:off x="807098" y="979087"/>
+            <a:ext cx="9905999" cy="1194945"/>
+          </a:xfrm>
+        </p:spPr>
+        <p:txBody>
+          <a:bodyPr/>
+          <a:lstStyle/>
+          <a:p>
+            <a:r>
+              <a:rPr lang="es-ES" dirty="0"/>
+              <a:t>En el segundo paso lo que se requería fue desarrollar dos controladores, un tipo pole </a:t>
+            </a:r>
+            <a:r>
+              <a:rPr lang="es-ES" dirty="0" err="1"/>
+              <a:t>placement</a:t>
+            </a:r>
+            <a:r>
+              <a:rPr lang="es-ES" dirty="0"/>
+              <a:t> y </a:t>
+            </a:r>
+            <a:r>
+              <a:rPr lang="es-ES"/>
+              <a:t>el segundo tipo </a:t>
+            </a:r>
+            <a:r>
+              <a:rPr lang="es-ES" dirty="0"/>
+              <a:t>LQR, lo que tenían que hacer era regresar a su posición original el avión cuando recibían perturbaciones.</a:t>
+            </a:r>
+          </a:p>
+          <a:p>
+            <a:endParaRPr lang="es-MX" dirty="0"/>
+          </a:p>
+        </p:txBody>
+      </p:sp>
+    </p:spTree>
+    <p:extLst>
+      <p:ext uri="{BB962C8B-B14F-4D97-AF65-F5344CB8AC3E}">
+        <p14:creationId xmlns:p14="http://schemas.microsoft.com/office/powerpoint/2010/main" val="2721453534"/>
+      </p:ext>
+    </p:extLst>
+  </p:cSld>
+  <p:clrMapOvr>
+    <a:masterClrMapping/>
+  </p:clrMapOvr>
+</p:sld>
+</file>
+
+<file path=ppt/slides/slide5.xml><?xml version="1.0" encoding="utf-8"?>
+<p:sld xmlns:a="http://schemas.openxmlformats.org/drawingml/2006/main" xmlns:r="http://schemas.openxmlformats.org/officeDocument/2006/relationships" xmlns:p="http://schemas.openxmlformats.org/presentationml/2006/main">
+  <p:cSld>
+    <p:spTree>
+      <p:nvGrpSpPr>
+        <p:cNvPr id="1" name=""/>
+        <p:cNvGrpSpPr/>
+        <p:nvPr/>
+      </p:nvGrpSpPr>
+      <p:grpSpPr>
+        <a:xfrm>
+          <a:off x="0" y="0"/>
+          <a:ext cx="0" cy="0"/>
+          <a:chOff x="0" y="0"/>
+          <a:chExt cx="0" cy="0"/>
+        </a:xfrm>
+      </p:grpSpPr>
+      <p:sp>
+        <p:nvSpPr>
+          <p:cNvPr id="2" name="Título 1">
+            <a:extLst>
+              <a:ext uri="{FF2B5EF4-FFF2-40B4-BE49-F238E27FC236}">
                 <a16:creationId xmlns:a16="http://schemas.microsoft.com/office/drawing/2014/main" id="{9DFA2475-42E8-9F03-B66D-16F45F59DCB7}"/>
               </a:ext>
             </a:extLst>
@@ -4502,7 +4736,7 @@
 </p:sld>
 </file>
 
-<file path=ppt/slides/slide5.xml><?xml version="1.0" encoding="utf-8"?>
+<file path=ppt/slides/slide6.xml><?xml version="1.0" encoding="utf-8"?>
 <p:sld xmlns:a="http://schemas.openxmlformats.org/drawingml/2006/main" xmlns:r="http://schemas.openxmlformats.org/officeDocument/2006/relationships" xmlns:p="http://schemas.openxmlformats.org/presentationml/2006/main">
   <p:cSld>
     <p:spTree>

--- a/Presentacion1.pptx
+++ b/Presentacion1.pptx
@@ -7,10 +7,10 @@
   <p:sldIdLst>
     <p:sldId id="256" r:id="rId2"/>
     <p:sldId id="257" r:id="rId3"/>
-    <p:sldId id="261" r:id="rId4"/>
-    <p:sldId id="258" r:id="rId5"/>
-    <p:sldId id="259" r:id="rId6"/>
-    <p:sldId id="260" r:id="rId7"/>
+    <p:sldId id="262" r:id="rId4"/>
+    <p:sldId id="261" r:id="rId5"/>
+    <p:sldId id="258" r:id="rId6"/>
+    <p:sldId id="263" r:id="rId7"/>
   </p:sldIdLst>
   <p:sldSz cx="12192000" cy="6858000"/>
   <p:notesSz cx="6858000" cy="9144000"/>
@@ -117,54 +117,94 @@
 </p:presentation>
 </file>
 
+<file path=ppt/revisionInfo.xml><?xml version="1.0" encoding="utf-8"?>
+<p1510:revInfo xmlns:a="http://schemas.openxmlformats.org/drawingml/2006/main" xmlns:r="http://schemas.openxmlformats.org/officeDocument/2006/relationships" xmlns:p1510="http://schemas.microsoft.com/office/powerpoint/2015/10/main">
+  <p1510:revLst>
+    <p1510:client id="{ED61DCA1-FADB-4A0C-9775-F8BC733857A2}" v="1" dt="2023-04-20T14:23:29.926"/>
+  </p1510:revLst>
+</p1510:revInfo>
+</file>
+
 <file path=ppt/changesInfos/changesInfo1.xml><?xml version="1.0" encoding="utf-8"?>
 <pc:chgInfo xmlns:a="http://schemas.openxmlformats.org/drawingml/2006/main" xmlns:r="http://schemas.openxmlformats.org/officeDocument/2006/relationships" xmlns:ac="http://schemas.microsoft.com/office/drawing/2013/main/command" xmlns:pc="http://schemas.microsoft.com/office/powerpoint/2013/main/command">
   <pc:docChgLst>
     <pc:chgData name="Samuel Gonzalez" userId="14b959e4d93e70df" providerId="LiveId" clId="{ED61DCA1-FADB-4A0C-9775-F8BC733857A2}"/>
-    <pc:docChg chg="custSel addSld modSld">
-      <pc:chgData name="Samuel Gonzalez" userId="14b959e4d93e70df" providerId="LiveId" clId="{ED61DCA1-FADB-4A0C-9775-F8BC733857A2}" dt="2023-04-20T13:59:01.417" v="67" actId="20577"/>
+    <pc:docChg chg="undo custSel addSld delSld modSld">
+      <pc:chgData name="Samuel Gonzalez" userId="14b959e4d93e70df" providerId="LiveId" clId="{ED61DCA1-FADB-4A0C-9775-F8BC733857A2}" dt="2023-04-20T15:47:28.179" v="95" actId="26606"/>
       <pc:docMkLst>
         <pc:docMk/>
       </pc:docMkLst>
-      <pc:sldChg chg="addSp modSp mod">
-        <pc:chgData name="Samuel Gonzalez" userId="14b959e4d93e70df" providerId="LiveId" clId="{ED61DCA1-FADB-4A0C-9775-F8BC733857A2}" dt="2023-04-20T13:58:29.908" v="57" actId="1076"/>
+      <pc:sldChg chg="addSp delSp modSp mod setBg">
+        <pc:chgData name="Samuel Gonzalez" userId="14b959e4d93e70df" providerId="LiveId" clId="{ED61DCA1-FADB-4A0C-9775-F8BC733857A2}" dt="2023-04-20T14:24:27.108" v="77" actId="26606"/>
         <pc:sldMkLst>
           <pc:docMk/>
           <pc:sldMk cId="364254758" sldId="257"/>
         </pc:sldMkLst>
         <pc:spChg chg="mod">
-          <ac:chgData name="Samuel Gonzalez" userId="14b959e4d93e70df" providerId="LiveId" clId="{ED61DCA1-FADB-4A0C-9775-F8BC733857A2}" dt="2023-04-20T13:58:24.868" v="56" actId="14100"/>
+          <ac:chgData name="Samuel Gonzalez" userId="14b959e4d93e70df" providerId="LiveId" clId="{ED61DCA1-FADB-4A0C-9775-F8BC733857A2}" dt="2023-04-20T14:24:27.108" v="77" actId="26606"/>
           <ac:spMkLst>
             <pc:docMk/>
             <pc:sldMk cId="364254758" sldId="257"/>
             <ac:spMk id="2" creationId="{F773D440-9BC0-8DD9-63CC-169A9B5D0F23}"/>
           </ac:spMkLst>
         </pc:spChg>
-        <pc:spChg chg="mod">
-          <ac:chgData name="Samuel Gonzalez" userId="14b959e4d93e70df" providerId="LiveId" clId="{ED61DCA1-FADB-4A0C-9775-F8BC733857A2}" dt="2023-04-20T13:58:29.908" v="57" actId="1076"/>
+        <pc:spChg chg="mod ord">
+          <ac:chgData name="Samuel Gonzalez" userId="14b959e4d93e70df" providerId="LiveId" clId="{ED61DCA1-FADB-4A0C-9775-F8BC733857A2}" dt="2023-04-20T14:24:27.108" v="77" actId="26606"/>
           <ac:spMkLst>
             <pc:docMk/>
             <pc:sldMk cId="364254758" sldId="257"/>
             <ac:spMk id="3" creationId="{22253AD6-296F-22F1-2199-2CAFE420E565}"/>
           </ac:spMkLst>
         </pc:spChg>
-        <pc:picChg chg="add mod modCrop">
-          <ac:chgData name="Samuel Gonzalez" userId="14b959e4d93e70df" providerId="LiveId" clId="{ED61DCA1-FADB-4A0C-9775-F8BC733857A2}" dt="2023-04-20T13:58:14.937" v="50" actId="1076"/>
+        <pc:spChg chg="add">
+          <ac:chgData name="Samuel Gonzalez" userId="14b959e4d93e70df" providerId="LiveId" clId="{ED61DCA1-FADB-4A0C-9775-F8BC733857A2}" dt="2023-04-20T14:24:27.108" v="77" actId="26606"/>
+          <ac:spMkLst>
+            <pc:docMk/>
+            <pc:sldMk cId="364254758" sldId="257"/>
+            <ac:spMk id="11" creationId="{AB20E7A4-EC2C-47C8-BE55-65771E3F2EDA}"/>
+          </ac:spMkLst>
+        </pc:spChg>
+        <pc:spChg chg="add">
+          <ac:chgData name="Samuel Gonzalez" userId="14b959e4d93e70df" providerId="LiveId" clId="{ED61DCA1-FADB-4A0C-9775-F8BC733857A2}" dt="2023-04-20T14:24:27.108" v="77" actId="26606"/>
+          <ac:spMkLst>
+            <pc:docMk/>
+            <pc:sldMk cId="364254758" sldId="257"/>
+            <ac:spMk id="13" creationId="{1CF23DDA-0D09-4FE5-AE88-EBBE5E02467C}"/>
+          </ac:spMkLst>
+        </pc:spChg>
+        <pc:picChg chg="add del mod modCrop">
+          <ac:chgData name="Samuel Gonzalez" userId="14b959e4d93e70df" providerId="LiveId" clId="{ED61DCA1-FADB-4A0C-9775-F8BC733857A2}" dt="2023-04-20T14:23:28.446" v="71" actId="21"/>
           <ac:picMkLst>
             <pc:docMk/>
             <pc:sldMk cId="364254758" sldId="257"/>
             <ac:picMk id="5" creationId="{C980DE9C-C9FF-EF76-CCB7-F41E924E9BDE}"/>
           </ac:picMkLst>
         </pc:picChg>
+        <pc:picChg chg="add mod">
+          <ac:chgData name="Samuel Gonzalez" userId="14b959e4d93e70df" providerId="LiveId" clId="{ED61DCA1-FADB-4A0C-9775-F8BC733857A2}" dt="2023-04-20T14:24:27.108" v="77" actId="26606"/>
+          <ac:picMkLst>
+            <pc:docMk/>
+            <pc:sldMk cId="364254758" sldId="257"/>
+            <ac:picMk id="6" creationId="{468A85EA-F7BB-B720-0039-5C1EF9E3FF21}"/>
+          </ac:picMkLst>
+        </pc:picChg>
+        <pc:cxnChg chg="add">
+          <ac:chgData name="Samuel Gonzalez" userId="14b959e4d93e70df" providerId="LiveId" clId="{ED61DCA1-FADB-4A0C-9775-F8BC733857A2}" dt="2023-04-20T14:24:27.108" v="77" actId="26606"/>
+          <ac:cxnSpMkLst>
+            <pc:docMk/>
+            <pc:sldMk cId="364254758" sldId="257"/>
+            <ac:cxnSpMk id="15" creationId="{1766FD2F-248A-4AA1-8078-E26D6E690BB9}"/>
+          </ac:cxnSpMkLst>
+        </pc:cxnChg>
       </pc:sldChg>
-      <pc:sldChg chg="modSp mod">
-        <pc:chgData name="Samuel Gonzalez" userId="14b959e4d93e70df" providerId="LiveId" clId="{ED61DCA1-FADB-4A0C-9775-F8BC733857A2}" dt="2023-04-20T13:59:01.417" v="67" actId="20577"/>
+      <pc:sldChg chg="addSp modSp mod setBg">
+        <pc:chgData name="Samuel Gonzalez" userId="14b959e4d93e70df" providerId="LiveId" clId="{ED61DCA1-FADB-4A0C-9775-F8BC733857A2}" dt="2023-04-20T14:24:56.016" v="82" actId="26606"/>
         <pc:sldMkLst>
           <pc:docMk/>
           <pc:sldMk cId="2721453534" sldId="258"/>
         </pc:sldMkLst>
         <pc:spChg chg="mod">
-          <ac:chgData name="Samuel Gonzalez" userId="14b959e4d93e70df" providerId="LiveId" clId="{ED61DCA1-FADB-4A0C-9775-F8BC733857A2}" dt="2023-04-20T13:58:48.100" v="61" actId="1076"/>
+          <ac:chgData name="Samuel Gonzalez" userId="14b959e4d93e70df" providerId="LiveId" clId="{ED61DCA1-FADB-4A0C-9775-F8BC733857A2}" dt="2023-04-20T14:24:56.016" v="82" actId="26606"/>
           <ac:spMkLst>
             <pc:docMk/>
             <pc:sldMk cId="2721453534" sldId="258"/>
@@ -172,22 +212,60 @@
           </ac:spMkLst>
         </pc:spChg>
         <pc:spChg chg="mod">
-          <ac:chgData name="Samuel Gonzalez" userId="14b959e4d93e70df" providerId="LiveId" clId="{ED61DCA1-FADB-4A0C-9775-F8BC733857A2}" dt="2023-04-20T13:59:01.417" v="67" actId="20577"/>
+          <ac:chgData name="Samuel Gonzalez" userId="14b959e4d93e70df" providerId="LiveId" clId="{ED61DCA1-FADB-4A0C-9775-F8BC733857A2}" dt="2023-04-20T14:24:56.016" v="82" actId="26606"/>
           <ac:spMkLst>
             <pc:docMk/>
             <pc:sldMk cId="2721453534" sldId="258"/>
             <ac:spMk id="3" creationId="{A140B625-79CA-C712-498C-CA5FD72BC0E6}"/>
           </ac:spMkLst>
         </pc:spChg>
+        <pc:spChg chg="add">
+          <ac:chgData name="Samuel Gonzalez" userId="14b959e4d93e70df" providerId="LiveId" clId="{ED61DCA1-FADB-4A0C-9775-F8BC733857A2}" dt="2023-04-20T14:24:56.016" v="82" actId="26606"/>
+          <ac:spMkLst>
+            <pc:docMk/>
+            <pc:sldMk cId="2721453534" sldId="258"/>
+            <ac:spMk id="9" creationId="{685B57F6-59DE-4274-A37C-F47FE4E42EEF}"/>
+          </ac:spMkLst>
+        </pc:spChg>
+        <pc:spChg chg="add">
+          <ac:chgData name="Samuel Gonzalez" userId="14b959e4d93e70df" providerId="LiveId" clId="{ED61DCA1-FADB-4A0C-9775-F8BC733857A2}" dt="2023-04-20T14:24:56.016" v="82" actId="26606"/>
+          <ac:spMkLst>
+            <pc:docMk/>
+            <pc:sldMk cId="2721453534" sldId="258"/>
+            <ac:spMk id="11" creationId="{C8C63406-9171-4282-BAAB-2DDC6831F0E6}"/>
+          </ac:spMkLst>
+        </pc:spChg>
+        <pc:picChg chg="add">
+          <ac:chgData name="Samuel Gonzalez" userId="14b959e4d93e70df" providerId="LiveId" clId="{ED61DCA1-FADB-4A0C-9775-F8BC733857A2}" dt="2023-04-20T14:24:56.016" v="82" actId="26606"/>
+          <ac:picMkLst>
+            <pc:docMk/>
+            <pc:sldMk cId="2721453534" sldId="258"/>
+            <ac:picMk id="5" creationId="{1B5E301A-0537-9BA7-0F3E-19C3E4048056}"/>
+          </ac:picMkLst>
+        </pc:picChg>
       </pc:sldChg>
-      <pc:sldChg chg="addSp delSp modSp new mod">
-        <pc:chgData name="Samuel Gonzalez" userId="14b959e4d93e70df" providerId="LiveId" clId="{ED61DCA1-FADB-4A0C-9775-F8BC733857A2}" dt="2023-04-20T13:58:40.278" v="59" actId="1076"/>
+      <pc:sldChg chg="del">
+        <pc:chgData name="Samuel Gonzalez" userId="14b959e4d93e70df" providerId="LiveId" clId="{ED61DCA1-FADB-4A0C-9775-F8BC733857A2}" dt="2023-04-20T15:42:56.957" v="86" actId="47"/>
+        <pc:sldMkLst>
+          <pc:docMk/>
+          <pc:sldMk cId="322097390" sldId="259"/>
+        </pc:sldMkLst>
+      </pc:sldChg>
+      <pc:sldChg chg="del">
+        <pc:chgData name="Samuel Gonzalez" userId="14b959e4d93e70df" providerId="LiveId" clId="{ED61DCA1-FADB-4A0C-9775-F8BC733857A2}" dt="2023-04-20T15:42:58.764" v="87" actId="47"/>
+        <pc:sldMkLst>
+          <pc:docMk/>
+          <pc:sldMk cId="2624686256" sldId="260"/>
+        </pc:sldMkLst>
+      </pc:sldChg>
+      <pc:sldChg chg="addSp delSp modSp new mod setBg">
+        <pc:chgData name="Samuel Gonzalez" userId="14b959e4d93e70df" providerId="LiveId" clId="{ED61DCA1-FADB-4A0C-9775-F8BC733857A2}" dt="2023-04-20T14:24:46.418" v="81" actId="26606"/>
         <pc:sldMkLst>
           <pc:docMk/>
           <pc:sldMk cId="3793673652" sldId="261"/>
         </pc:sldMkLst>
-        <pc:spChg chg="mod">
-          <ac:chgData name="Samuel Gonzalez" userId="14b959e4d93e70df" providerId="LiveId" clId="{ED61DCA1-FADB-4A0C-9775-F8BC733857A2}" dt="2023-04-20T13:58:38.406" v="58" actId="14100"/>
+        <pc:spChg chg="mod ord">
+          <ac:chgData name="Samuel Gonzalez" userId="14b959e4d93e70df" providerId="LiveId" clId="{ED61DCA1-FADB-4A0C-9775-F8BC733857A2}" dt="2023-04-20T14:24:46.418" v="81" actId="26606"/>
           <ac:spMkLst>
             <pc:docMk/>
             <pc:sldMk cId="3793673652" sldId="261"/>
@@ -202,14 +280,203 @@
             <ac:spMk id="3" creationId="{AC922214-2F27-207C-7E80-9430755110BB}"/>
           </ac:spMkLst>
         </pc:spChg>
+        <pc:spChg chg="add del">
+          <ac:chgData name="Samuel Gonzalez" userId="14b959e4d93e70df" providerId="LiveId" clId="{ED61DCA1-FADB-4A0C-9775-F8BC733857A2}" dt="2023-04-20T14:24:38.058" v="79" actId="26606"/>
+          <ac:spMkLst>
+            <pc:docMk/>
+            <pc:sldMk cId="3793673652" sldId="261"/>
+            <ac:spMk id="10" creationId="{5CD60141-EEBD-4EC1-8E34-0344C16A18A2}"/>
+          </ac:spMkLst>
+        </pc:spChg>
+        <pc:spChg chg="add del">
+          <ac:chgData name="Samuel Gonzalez" userId="14b959e4d93e70df" providerId="LiveId" clId="{ED61DCA1-FADB-4A0C-9775-F8BC733857A2}" dt="2023-04-20T14:24:38.058" v="79" actId="26606"/>
+          <ac:spMkLst>
+            <pc:docMk/>
+            <pc:sldMk cId="3793673652" sldId="261"/>
+            <ac:spMk id="14" creationId="{6D1F4DC3-EDAB-401A-BD21-33D25AB5FD4B}"/>
+          </ac:spMkLst>
+        </pc:spChg>
+        <pc:spChg chg="add del">
+          <ac:chgData name="Samuel Gonzalez" userId="14b959e4d93e70df" providerId="LiveId" clId="{ED61DCA1-FADB-4A0C-9775-F8BC733857A2}" dt="2023-04-20T14:24:38.058" v="79" actId="26606"/>
+          <ac:spMkLst>
+            <pc:docMk/>
+            <pc:sldMk cId="3793673652" sldId="261"/>
+            <ac:spMk id="16" creationId="{E9C7EB16-0EC8-4488-ACB2-C24CF90E5624}"/>
+          </ac:spMkLst>
+        </pc:spChg>
+        <pc:spChg chg="add del">
+          <ac:chgData name="Samuel Gonzalez" userId="14b959e4d93e70df" providerId="LiveId" clId="{ED61DCA1-FADB-4A0C-9775-F8BC733857A2}" dt="2023-04-20T14:24:38.058" v="79" actId="26606"/>
+          <ac:spMkLst>
+            <pc:docMk/>
+            <pc:sldMk cId="3793673652" sldId="261"/>
+            <ac:spMk id="18" creationId="{C3C4CE1C-C768-4656-8941-CE322DBE716F}"/>
+          </ac:spMkLst>
+        </pc:spChg>
+        <pc:spChg chg="add del">
+          <ac:chgData name="Samuel Gonzalez" userId="14b959e4d93e70df" providerId="LiveId" clId="{ED61DCA1-FADB-4A0C-9775-F8BC733857A2}" dt="2023-04-20T14:24:46.418" v="81" actId="26606"/>
+          <ac:spMkLst>
+            <pc:docMk/>
+            <pc:sldMk cId="3793673652" sldId="261"/>
+            <ac:spMk id="20" creationId="{74270B3E-3C96-4381-9F21-EC83F1E1A0FD}"/>
+          </ac:spMkLst>
+        </pc:spChg>
+        <pc:spChg chg="add del">
+          <ac:chgData name="Samuel Gonzalez" userId="14b959e4d93e70df" providerId="LiveId" clId="{ED61DCA1-FADB-4A0C-9775-F8BC733857A2}" dt="2023-04-20T14:24:46.418" v="81" actId="26606"/>
+          <ac:spMkLst>
+            <pc:docMk/>
+            <pc:sldMk cId="3793673652" sldId="261"/>
+            <ac:spMk id="21" creationId="{5CD60141-EEBD-4EC1-8E34-0344C16A18A2}"/>
+          </ac:spMkLst>
+        </pc:spChg>
+        <pc:spChg chg="add del">
+          <ac:chgData name="Samuel Gonzalez" userId="14b959e4d93e70df" providerId="LiveId" clId="{ED61DCA1-FADB-4A0C-9775-F8BC733857A2}" dt="2023-04-20T14:24:46.418" v="81" actId="26606"/>
+          <ac:spMkLst>
+            <pc:docMk/>
+            <pc:sldMk cId="3793673652" sldId="261"/>
+            <ac:spMk id="24" creationId="{4E5B79A0-69AD-4CBD-897F-32C7A2BA2FBB}"/>
+          </ac:spMkLst>
+        </pc:spChg>
+        <pc:spChg chg="add del">
+          <ac:chgData name="Samuel Gonzalez" userId="14b959e4d93e70df" providerId="LiveId" clId="{ED61DCA1-FADB-4A0C-9775-F8BC733857A2}" dt="2023-04-20T14:24:46.418" v="81" actId="26606"/>
+          <ac:spMkLst>
+            <pc:docMk/>
+            <pc:sldMk cId="3793673652" sldId="261"/>
+            <ac:spMk id="25" creationId="{7C2F33EB-E7CB-4EE9-BBBF-D632F5C00EAE}"/>
+          </ac:spMkLst>
+        </pc:spChg>
+        <pc:spChg chg="add del">
+          <ac:chgData name="Samuel Gonzalez" userId="14b959e4d93e70df" providerId="LiveId" clId="{ED61DCA1-FADB-4A0C-9775-F8BC733857A2}" dt="2023-04-20T14:24:46.418" v="81" actId="26606"/>
+          <ac:spMkLst>
+            <pc:docMk/>
+            <pc:sldMk cId="3793673652" sldId="261"/>
+            <ac:spMk id="26" creationId="{D5D12016-6EE5-4F4A-BC99-A56493E60F06}"/>
+          </ac:spMkLst>
+        </pc:spChg>
         <pc:picChg chg="add mod modCrop">
-          <ac:chgData name="Samuel Gonzalez" userId="14b959e4d93e70df" providerId="LiveId" clId="{ED61DCA1-FADB-4A0C-9775-F8BC733857A2}" dt="2023-04-20T13:58:40.278" v="59" actId="1076"/>
+          <ac:chgData name="Samuel Gonzalez" userId="14b959e4d93e70df" providerId="LiveId" clId="{ED61DCA1-FADB-4A0C-9775-F8BC733857A2}" dt="2023-04-20T14:24:46.418" v="81" actId="26606"/>
           <ac:picMkLst>
             <pc:docMk/>
             <pc:sldMk cId="3793673652" sldId="261"/>
             <ac:picMk id="5" creationId="{14CC2F97-E431-BFCA-8E39-73977CE2E60E}"/>
           </ac:picMkLst>
         </pc:picChg>
+        <pc:cxnChg chg="add del">
+          <ac:chgData name="Samuel Gonzalez" userId="14b959e4d93e70df" providerId="LiveId" clId="{ED61DCA1-FADB-4A0C-9775-F8BC733857A2}" dt="2023-04-20T14:24:38.058" v="79" actId="26606"/>
+          <ac:cxnSpMkLst>
+            <pc:docMk/>
+            <pc:sldMk cId="3793673652" sldId="261"/>
+            <ac:cxnSpMk id="12" creationId="{4C75A547-BCD1-42BE-966E-53CA0AB93165}"/>
+          </ac:cxnSpMkLst>
+        </pc:cxnChg>
+        <pc:cxnChg chg="add del">
+          <ac:chgData name="Samuel Gonzalez" userId="14b959e4d93e70df" providerId="LiveId" clId="{ED61DCA1-FADB-4A0C-9775-F8BC733857A2}" dt="2023-04-20T14:24:46.418" v="81" actId="26606"/>
+          <ac:cxnSpMkLst>
+            <pc:docMk/>
+            <pc:sldMk cId="3793673652" sldId="261"/>
+            <ac:cxnSpMk id="22" creationId="{071DF4C0-7A22-4E59-9E9C-BD2E245364DD}"/>
+          </ac:cxnSpMkLst>
+        </pc:cxnChg>
+        <pc:cxnChg chg="add del">
+          <ac:chgData name="Samuel Gonzalez" userId="14b959e4d93e70df" providerId="LiveId" clId="{ED61DCA1-FADB-4A0C-9775-F8BC733857A2}" dt="2023-04-20T14:24:46.418" v="81" actId="26606"/>
+          <ac:cxnSpMkLst>
+            <pc:docMk/>
+            <pc:sldMk cId="3793673652" sldId="261"/>
+            <ac:cxnSpMk id="23" creationId="{4C75A547-BCD1-42BE-966E-53CA0AB93165}"/>
+          </ac:cxnSpMkLst>
+        </pc:cxnChg>
+      </pc:sldChg>
+      <pc:sldChg chg="addSp delSp modSp new mod">
+        <pc:chgData name="Samuel Gonzalez" userId="14b959e4d93e70df" providerId="LiveId" clId="{ED61DCA1-FADB-4A0C-9775-F8BC733857A2}" dt="2023-04-20T14:23:35.517" v="74" actId="1076"/>
+        <pc:sldMkLst>
+          <pc:docMk/>
+          <pc:sldMk cId="425474658" sldId="262"/>
+        </pc:sldMkLst>
+        <pc:spChg chg="del">
+          <ac:chgData name="Samuel Gonzalez" userId="14b959e4d93e70df" providerId="LiveId" clId="{ED61DCA1-FADB-4A0C-9775-F8BC733857A2}" dt="2023-04-20T14:23:25.047" v="70" actId="478"/>
+          <ac:spMkLst>
+            <pc:docMk/>
+            <pc:sldMk cId="425474658" sldId="262"/>
+            <ac:spMk id="2" creationId="{8A06FFC2-F3AC-2BBF-0F32-CD6FFB0D348D}"/>
+          </ac:spMkLst>
+        </pc:spChg>
+        <pc:spChg chg="del">
+          <ac:chgData name="Samuel Gonzalez" userId="14b959e4d93e70df" providerId="LiveId" clId="{ED61DCA1-FADB-4A0C-9775-F8BC733857A2}" dt="2023-04-20T14:23:23.877" v="69" actId="478"/>
+          <ac:spMkLst>
+            <pc:docMk/>
+            <pc:sldMk cId="425474658" sldId="262"/>
+            <ac:spMk id="3" creationId="{0CDCB640-872F-1280-E96B-CF03A8A53C58}"/>
+          </ac:spMkLst>
+        </pc:spChg>
+        <pc:picChg chg="add mod">
+          <ac:chgData name="Samuel Gonzalez" userId="14b959e4d93e70df" providerId="LiveId" clId="{ED61DCA1-FADB-4A0C-9775-F8BC733857A2}" dt="2023-04-20T14:23:35.517" v="74" actId="1076"/>
+          <ac:picMkLst>
+            <pc:docMk/>
+            <pc:sldMk cId="425474658" sldId="262"/>
+            <ac:picMk id="4" creationId="{3CD5F3BE-02F4-98AD-D538-F9580A08A93F}"/>
+          </ac:picMkLst>
+        </pc:picChg>
+      </pc:sldChg>
+      <pc:sldChg chg="addSp delSp modSp new mod setBg">
+        <pc:chgData name="Samuel Gonzalez" userId="14b959e4d93e70df" providerId="LiveId" clId="{ED61DCA1-FADB-4A0C-9775-F8BC733857A2}" dt="2023-04-20T15:47:28.179" v="95" actId="26606"/>
+        <pc:sldMkLst>
+          <pc:docMk/>
+          <pc:sldMk cId="983091637" sldId="263"/>
+        </pc:sldMkLst>
+        <pc:spChg chg="del">
+          <ac:chgData name="Samuel Gonzalez" userId="14b959e4d93e70df" providerId="LiveId" clId="{ED61DCA1-FADB-4A0C-9775-F8BC733857A2}" dt="2023-04-20T15:47:16.748" v="91" actId="478"/>
+          <ac:spMkLst>
+            <pc:docMk/>
+            <pc:sldMk cId="983091637" sldId="263"/>
+            <ac:spMk id="2" creationId="{62C9C53A-2A6E-A3BE-D5FA-7634CFE686DE}"/>
+          </ac:spMkLst>
+        </pc:spChg>
+        <pc:spChg chg="del">
+          <ac:chgData name="Samuel Gonzalez" userId="14b959e4d93e70df" providerId="LiveId" clId="{ED61DCA1-FADB-4A0C-9775-F8BC733857A2}" dt="2023-04-20T15:47:15.031" v="90" actId="478"/>
+          <ac:spMkLst>
+            <pc:docMk/>
+            <pc:sldMk cId="983091637" sldId="263"/>
+            <ac:spMk id="3" creationId="{CDFE1845-42AD-FE3C-B22E-5C61BE2CD610}"/>
+          </ac:spMkLst>
+        </pc:spChg>
+        <pc:spChg chg="add">
+          <ac:chgData name="Samuel Gonzalez" userId="14b959e4d93e70df" providerId="LiveId" clId="{ED61DCA1-FADB-4A0C-9775-F8BC733857A2}" dt="2023-04-20T15:47:28.179" v="95" actId="26606"/>
+          <ac:spMkLst>
+            <pc:docMk/>
+            <pc:sldMk cId="983091637" sldId="263"/>
+            <ac:spMk id="10" creationId="{FD57F13B-6973-4CE9-92F3-5EC476ED97B5}"/>
+          </ac:spMkLst>
+        </pc:spChg>
+        <pc:picChg chg="add mod">
+          <ac:chgData name="Samuel Gonzalez" userId="14b959e4d93e70df" providerId="LiveId" clId="{ED61DCA1-FADB-4A0C-9775-F8BC733857A2}" dt="2023-04-20T15:47:28.179" v="95" actId="26606"/>
+          <ac:picMkLst>
+            <pc:docMk/>
+            <pc:sldMk cId="983091637" sldId="263"/>
+            <ac:picMk id="5" creationId="{AC68AE17-3874-9907-B132-963CE45488F6}"/>
+          </ac:picMkLst>
+        </pc:picChg>
+      </pc:sldChg>
+      <pc:sldChg chg="delSp new del mod">
+        <pc:chgData name="Samuel Gonzalez" userId="14b959e4d93e70df" providerId="LiveId" clId="{ED61DCA1-FADB-4A0C-9775-F8BC733857A2}" dt="2023-04-20T15:43:02.272" v="88" actId="47"/>
+        <pc:sldMkLst>
+          <pc:docMk/>
+          <pc:sldMk cId="3459444052" sldId="263"/>
+        </pc:sldMkLst>
+        <pc:spChg chg="del">
+          <ac:chgData name="Samuel Gonzalez" userId="14b959e4d93e70df" providerId="LiveId" clId="{ED61DCA1-FADB-4A0C-9775-F8BC733857A2}" dt="2023-04-20T14:25:05.526" v="84" actId="478"/>
+          <ac:spMkLst>
+            <pc:docMk/>
+            <pc:sldMk cId="3459444052" sldId="263"/>
+            <ac:spMk id="2" creationId="{8E4C02FE-4AE8-EBB1-818C-D989F6DA55D4}"/>
+          </ac:spMkLst>
+        </pc:spChg>
+        <pc:spChg chg="del">
+          <ac:chgData name="Samuel Gonzalez" userId="14b959e4d93e70df" providerId="LiveId" clId="{ED61DCA1-FADB-4A0C-9775-F8BC733857A2}" dt="2023-04-20T14:25:06.907" v="85" actId="478"/>
+          <ac:spMkLst>
+            <pc:docMk/>
+            <pc:sldMk cId="3459444052" sldId="263"/>
+            <ac:spMk id="3" creationId="{C577290F-54F2-15D9-F55B-3F5008B7DB93}"/>
+          </ac:spMkLst>
+        </pc:spChg>
       </pc:sldChg>
     </pc:docChg>
   </pc:docChgLst>
@@ -4292,6 +4559,14 @@
 <file path=ppt/slides/slide2.xml><?xml version="1.0" encoding="utf-8"?>
 <p:sld xmlns:a="http://schemas.openxmlformats.org/drawingml/2006/main" xmlns:r="http://schemas.openxmlformats.org/officeDocument/2006/relationships" xmlns:p="http://schemas.openxmlformats.org/presentationml/2006/main">
   <p:cSld>
+    <p:bg>
+      <p:bgPr>
+        <a:solidFill>
+          <a:schemeClr val="bg1"/>
+        </a:solidFill>
+        <a:effectLst/>
+      </p:bgPr>
+    </p:bg>
     <p:spTree>
       <p:nvGrpSpPr>
         <p:cNvPr id="1" name=""/>
@@ -4306,30 +4581,327 @@
           <a:chExt cx="0" cy="0"/>
         </a:xfrm>
       </p:grpSpPr>
-      <p:sp>
-        <p:nvSpPr>
-          <p:cNvPr id="2" name="Título 1">
-            <a:extLst>
-              <a:ext uri="{FF2B5EF4-FFF2-40B4-BE49-F238E27FC236}">
-                <a16:creationId xmlns:a16="http://schemas.microsoft.com/office/drawing/2014/main" id="{F773D440-9BC0-8DD9-63CC-169A9B5D0F23}"/>
-              </a:ext>
-            </a:extLst>
-          </p:cNvPr>
-          <p:cNvSpPr>
-            <a:spLocks noGrp="1"/>
-          </p:cNvSpPr>
-          <p:nvPr>
-            <p:ph type="title"/>
+      <p:sp useBgFill="1">
+        <p:nvSpPr>
+          <p:cNvPr id="11" name="Rectangle 10">
+            <a:extLst>
+              <a:ext uri="{FF2B5EF4-FFF2-40B4-BE49-F238E27FC236}">
+                <a16:creationId xmlns:a16="http://schemas.microsoft.com/office/drawing/2014/main" id="{AB20E7A4-EC2C-47C8-BE55-65771E3F2EDA}"/>
+              </a:ext>
+              <a:ext uri="{C183D7F6-B498-43B3-948B-1728B52AA6E4}">
+                <adec:decorative xmlns:adec="http://schemas.microsoft.com/office/drawing/2017/decorative" val="1"/>
+              </a:ext>
+            </a:extLst>
+          </p:cNvPr>
+          <p:cNvSpPr>
+            <a:spLocks noGrp="1" noRot="1" noChangeAspect="1" noMove="1" noResize="1" noEditPoints="1" noAdjustHandles="1" noChangeArrowheads="1" noChangeShapeType="1" noTextEdit="1"/>
+          </p:cNvSpPr>
+          <p:nvPr>
+            <p:extLst>
+              <p:ext uri="{386F3935-93C4-4BCD-93E2-E3B085C9AB24}">
+                <p16:designElem xmlns:p16="http://schemas.microsoft.com/office/powerpoint/2015/main" val="1"/>
+              </p:ext>
+            </p:extLst>
           </p:nvPr>
         </p:nvSpPr>
         <p:spPr>
           <a:xfrm>
-            <a:off x="424543" y="278407"/>
-            <a:ext cx="9905999" cy="731051"/>
+            <a:off x="0" y="0"/>
+            <a:ext cx="12192000" cy="6858000"/>
+          </a:xfrm>
+          <a:prstGeom prst="rect">
+            <a:avLst/>
+          </a:prstGeom>
+          <a:ln w="12700" cap="flat" cmpd="sng" algn="ctr">
+            <a:noFill/>
+            <a:prstDash val="solid"/>
+            <a:miter lim="800000"/>
+          </a:ln>
+          <a:effectLst/>
+          <a:extLst>
+            <a:ext uri="{91240B29-F687-4F45-9708-019B960494DF}">
+              <a14:hiddenLine xmlns:a14="http://schemas.microsoft.com/office/drawing/2010/main" w="12700" cap="flat" cmpd="sng" algn="ctr">
+                <a:solidFill>
+                  <a:schemeClr val="accent1">
+                    <a:shade val="50000"/>
+                  </a:schemeClr>
+                </a:solidFill>
+                <a:prstDash val="solid"/>
+                <a:miter lim="800000"/>
+              </a14:hiddenLine>
+            </a:ext>
+          </a:extLst>
+        </p:spPr>
+        <p:style>
+          <a:lnRef idx="2">
+            <a:schemeClr val="accent1">
+              <a:shade val="50000"/>
+            </a:schemeClr>
+          </a:lnRef>
+          <a:fillRef idx="1">
+            <a:schemeClr val="accent1"/>
+          </a:fillRef>
+          <a:effectRef idx="0">
+            <a:schemeClr val="accent1"/>
+          </a:effectRef>
+          <a:fontRef idx="minor">
+            <a:schemeClr val="lt1"/>
+          </a:fontRef>
+        </p:style>
+        <p:txBody>
+          <a:bodyPr rtlCol="0" anchor="ctr"/>
+          <a:lstStyle/>
+          <a:p>
+            <a:pPr algn="ctr"/>
+            <a:endParaRPr lang="en-US"/>
+          </a:p>
+        </p:txBody>
+      </p:sp>
+      <p:sp>
+        <p:nvSpPr>
+          <p:cNvPr id="13" name="Freeform: Shape 12">
+            <a:extLst>
+              <a:ext uri="{FF2B5EF4-FFF2-40B4-BE49-F238E27FC236}">
+                <a16:creationId xmlns:a16="http://schemas.microsoft.com/office/drawing/2014/main" id="{1CF23DDA-0D09-4FE5-AE88-EBBE5E02467C}"/>
+              </a:ext>
+              <a:ext uri="{C183D7F6-B498-43B3-948B-1728B52AA6E4}">
+                <adec:decorative xmlns:adec="http://schemas.microsoft.com/office/drawing/2017/decorative" val="1"/>
+              </a:ext>
+            </a:extLst>
+          </p:cNvPr>
+          <p:cNvSpPr>
+            <a:spLocks noGrp="1" noRot="1" noChangeAspect="1" noMove="1" noResize="1" noEditPoints="1" noAdjustHandles="1" noChangeArrowheads="1" noChangeShapeType="1" noTextEdit="1"/>
+          </p:cNvSpPr>
+          <p:nvPr>
+            <p:extLst>
+              <p:ext uri="{386F3935-93C4-4BCD-93E2-E3B085C9AB24}">
+                <p16:designElem xmlns:p16="http://schemas.microsoft.com/office/powerpoint/2015/main" val="1"/>
+              </p:ext>
+            </p:extLst>
+          </p:nvPr>
+        </p:nvSpPr>
+        <p:spPr>
+          <a:xfrm rot="10800000">
+            <a:off x="0" y="0"/>
+            <a:ext cx="6885325" cy="6858000"/>
+          </a:xfrm>
+          <a:custGeom>
+            <a:avLst/>
+            <a:gdLst>
+              <a:gd name="connsiteX0" fmla="*/ 4456883 w 6885325"/>
+              <a:gd name="connsiteY0" fmla="*/ 6858000 h 6858000"/>
+              <a:gd name="connsiteX1" fmla="*/ 0 w 6885325"/>
+              <a:gd name="connsiteY1" fmla="*/ 6858000 h 6858000"/>
+              <a:gd name="connsiteX2" fmla="*/ 6010592 w 6885325"/>
+              <a:gd name="connsiteY2" fmla="*/ 0 h 6858000"/>
+              <a:gd name="connsiteX3" fmla="*/ 6885325 w 6885325"/>
+              <a:gd name="connsiteY3" fmla="*/ 0 h 6858000"/>
+              <a:gd name="connsiteX4" fmla="*/ 6885325 w 6885325"/>
+              <a:gd name="connsiteY4" fmla="*/ 1545581 h 6858000"/>
+              <a:gd name="connsiteX5" fmla="*/ 6885324 w 6885325"/>
+              <a:gd name="connsiteY5" fmla="*/ 1545582 h 6858000"/>
+              <a:gd name="connsiteX6" fmla="*/ 6885324 w 6885325"/>
+              <a:gd name="connsiteY6" fmla="*/ 4070877 h 6858000"/>
+              <a:gd name="connsiteX7" fmla="*/ 6885325 w 6885325"/>
+              <a:gd name="connsiteY7" fmla="*/ 4070876 h 6858000"/>
+              <a:gd name="connsiteX8" fmla="*/ 6885325 w 6885325"/>
+              <a:gd name="connsiteY8" fmla="*/ 6857999 h 6858000"/>
+              <a:gd name="connsiteX9" fmla="*/ 4456884 w 6885325"/>
+              <a:gd name="connsiteY9" fmla="*/ 6857999 h 6858000"/>
+              <a:gd name="connsiteX0" fmla="*/ 4456884 w 6885325"/>
+              <a:gd name="connsiteY0" fmla="*/ 6857999 h 6858000"/>
+              <a:gd name="connsiteX1" fmla="*/ 0 w 6885325"/>
+              <a:gd name="connsiteY1" fmla="*/ 6858000 h 6858000"/>
+              <a:gd name="connsiteX2" fmla="*/ 6010592 w 6885325"/>
+              <a:gd name="connsiteY2" fmla="*/ 0 h 6858000"/>
+              <a:gd name="connsiteX3" fmla="*/ 6885325 w 6885325"/>
+              <a:gd name="connsiteY3" fmla="*/ 0 h 6858000"/>
+              <a:gd name="connsiteX4" fmla="*/ 6885325 w 6885325"/>
+              <a:gd name="connsiteY4" fmla="*/ 1545581 h 6858000"/>
+              <a:gd name="connsiteX5" fmla="*/ 6885324 w 6885325"/>
+              <a:gd name="connsiteY5" fmla="*/ 1545582 h 6858000"/>
+              <a:gd name="connsiteX6" fmla="*/ 6885324 w 6885325"/>
+              <a:gd name="connsiteY6" fmla="*/ 4070877 h 6858000"/>
+              <a:gd name="connsiteX7" fmla="*/ 6885325 w 6885325"/>
+              <a:gd name="connsiteY7" fmla="*/ 4070876 h 6858000"/>
+              <a:gd name="connsiteX8" fmla="*/ 6885325 w 6885325"/>
+              <a:gd name="connsiteY8" fmla="*/ 6857999 h 6858000"/>
+              <a:gd name="connsiteX9" fmla="*/ 4456884 w 6885325"/>
+              <a:gd name="connsiteY9" fmla="*/ 6857999 h 6858000"/>
+              <a:gd name="connsiteX0" fmla="*/ 6885325 w 6885325"/>
+              <a:gd name="connsiteY0" fmla="*/ 6857999 h 6858000"/>
+              <a:gd name="connsiteX1" fmla="*/ 0 w 6885325"/>
+              <a:gd name="connsiteY1" fmla="*/ 6858000 h 6858000"/>
+              <a:gd name="connsiteX2" fmla="*/ 6010592 w 6885325"/>
+              <a:gd name="connsiteY2" fmla="*/ 0 h 6858000"/>
+              <a:gd name="connsiteX3" fmla="*/ 6885325 w 6885325"/>
+              <a:gd name="connsiteY3" fmla="*/ 0 h 6858000"/>
+              <a:gd name="connsiteX4" fmla="*/ 6885325 w 6885325"/>
+              <a:gd name="connsiteY4" fmla="*/ 1545581 h 6858000"/>
+              <a:gd name="connsiteX5" fmla="*/ 6885324 w 6885325"/>
+              <a:gd name="connsiteY5" fmla="*/ 1545582 h 6858000"/>
+              <a:gd name="connsiteX6" fmla="*/ 6885324 w 6885325"/>
+              <a:gd name="connsiteY6" fmla="*/ 4070877 h 6858000"/>
+              <a:gd name="connsiteX7" fmla="*/ 6885325 w 6885325"/>
+              <a:gd name="connsiteY7" fmla="*/ 4070876 h 6858000"/>
+              <a:gd name="connsiteX8" fmla="*/ 6885325 w 6885325"/>
+              <a:gd name="connsiteY8" fmla="*/ 6857999 h 6858000"/>
+              <a:gd name="connsiteX0" fmla="*/ 6885325 w 6885325"/>
+              <a:gd name="connsiteY0" fmla="*/ 6857999 h 6858000"/>
+              <a:gd name="connsiteX1" fmla="*/ 0 w 6885325"/>
+              <a:gd name="connsiteY1" fmla="*/ 6858000 h 6858000"/>
+              <a:gd name="connsiteX2" fmla="*/ 6010592 w 6885325"/>
+              <a:gd name="connsiteY2" fmla="*/ 0 h 6858000"/>
+              <a:gd name="connsiteX3" fmla="*/ 6885325 w 6885325"/>
+              <a:gd name="connsiteY3" fmla="*/ 0 h 6858000"/>
+              <a:gd name="connsiteX4" fmla="*/ 6885325 w 6885325"/>
+              <a:gd name="connsiteY4" fmla="*/ 1545581 h 6858000"/>
+              <a:gd name="connsiteX5" fmla="*/ 6885324 w 6885325"/>
+              <a:gd name="connsiteY5" fmla="*/ 1545582 h 6858000"/>
+              <a:gd name="connsiteX6" fmla="*/ 6885324 w 6885325"/>
+              <a:gd name="connsiteY6" fmla="*/ 4070877 h 6858000"/>
+              <a:gd name="connsiteX7" fmla="*/ 6885325 w 6885325"/>
+              <a:gd name="connsiteY7" fmla="*/ 6857999 h 6858000"/>
+              <a:gd name="connsiteX0" fmla="*/ 6885325 w 6885325"/>
+              <a:gd name="connsiteY0" fmla="*/ 6857999 h 6858000"/>
+              <a:gd name="connsiteX1" fmla="*/ 0 w 6885325"/>
+              <a:gd name="connsiteY1" fmla="*/ 6858000 h 6858000"/>
+              <a:gd name="connsiteX2" fmla="*/ 6010592 w 6885325"/>
+              <a:gd name="connsiteY2" fmla="*/ 0 h 6858000"/>
+              <a:gd name="connsiteX3" fmla="*/ 6885325 w 6885325"/>
+              <a:gd name="connsiteY3" fmla="*/ 0 h 6858000"/>
+              <a:gd name="connsiteX4" fmla="*/ 6885325 w 6885325"/>
+              <a:gd name="connsiteY4" fmla="*/ 1545581 h 6858000"/>
+              <a:gd name="connsiteX5" fmla="*/ 6885324 w 6885325"/>
+              <a:gd name="connsiteY5" fmla="*/ 1545582 h 6858000"/>
+              <a:gd name="connsiteX6" fmla="*/ 6885325 w 6885325"/>
+              <a:gd name="connsiteY6" fmla="*/ 6857999 h 6858000"/>
+              <a:gd name="connsiteX0" fmla="*/ 6885325 w 6885325"/>
+              <a:gd name="connsiteY0" fmla="*/ 6857999 h 6858000"/>
+              <a:gd name="connsiteX1" fmla="*/ 0 w 6885325"/>
+              <a:gd name="connsiteY1" fmla="*/ 6858000 h 6858000"/>
+              <a:gd name="connsiteX2" fmla="*/ 6010592 w 6885325"/>
+              <a:gd name="connsiteY2" fmla="*/ 0 h 6858000"/>
+              <a:gd name="connsiteX3" fmla="*/ 6885325 w 6885325"/>
+              <a:gd name="connsiteY3" fmla="*/ 0 h 6858000"/>
+              <a:gd name="connsiteX4" fmla="*/ 6885325 w 6885325"/>
+              <a:gd name="connsiteY4" fmla="*/ 1545581 h 6858000"/>
+              <a:gd name="connsiteX5" fmla="*/ 6885325 w 6885325"/>
+              <a:gd name="connsiteY5" fmla="*/ 6857999 h 6858000"/>
+              <a:gd name="connsiteX0" fmla="*/ 6885325 w 6885325"/>
+              <a:gd name="connsiteY0" fmla="*/ 6857999 h 6858000"/>
+              <a:gd name="connsiteX1" fmla="*/ 0 w 6885325"/>
+              <a:gd name="connsiteY1" fmla="*/ 6858000 h 6858000"/>
+              <a:gd name="connsiteX2" fmla="*/ 6010592 w 6885325"/>
+              <a:gd name="connsiteY2" fmla="*/ 0 h 6858000"/>
+              <a:gd name="connsiteX3" fmla="*/ 6885325 w 6885325"/>
+              <a:gd name="connsiteY3" fmla="*/ 0 h 6858000"/>
+              <a:gd name="connsiteX4" fmla="*/ 6885325 w 6885325"/>
+              <a:gd name="connsiteY4" fmla="*/ 6857999 h 6858000"/>
+            </a:gdLst>
+            <a:ahLst/>
+            <a:cxnLst>
+              <a:cxn ang="0">
+                <a:pos x="connsiteX0" y="connsiteY0"/>
+              </a:cxn>
+              <a:cxn ang="0">
+                <a:pos x="connsiteX1" y="connsiteY1"/>
+              </a:cxn>
+              <a:cxn ang="0">
+                <a:pos x="connsiteX2" y="connsiteY2"/>
+              </a:cxn>
+              <a:cxn ang="0">
+                <a:pos x="connsiteX3" y="connsiteY3"/>
+              </a:cxn>
+              <a:cxn ang="0">
+                <a:pos x="connsiteX4" y="connsiteY4"/>
+              </a:cxn>
+            </a:cxnLst>
+            <a:rect l="l" t="t" r="r" b="b"/>
+            <a:pathLst>
+              <a:path w="6885325" h="6858000">
+                <a:moveTo>
+                  <a:pt x="6885325" y="6857999"/>
+                </a:moveTo>
+                <a:lnTo>
+                  <a:pt x="0" y="6858000"/>
+                </a:lnTo>
+                <a:lnTo>
+                  <a:pt x="6010592" y="0"/>
+                </a:lnTo>
+                <a:lnTo>
+                  <a:pt x="6885325" y="0"/>
+                </a:lnTo>
+                <a:lnTo>
+                  <a:pt x="6885325" y="6857999"/>
+                </a:lnTo>
+                <a:close/>
+              </a:path>
+            </a:pathLst>
+          </a:custGeom>
+          <a:solidFill>
+            <a:schemeClr val="bg2"/>
+          </a:solidFill>
+          <a:ln w="12700" cap="flat" cmpd="sng" algn="ctr">
+            <a:noFill/>
+            <a:prstDash val="solid"/>
+            <a:miter lim="800000"/>
+          </a:ln>
+          <a:effectLst/>
+        </p:spPr>
+        <p:style>
+          <a:lnRef idx="2">
+            <a:schemeClr val="accent1">
+              <a:shade val="50000"/>
+            </a:schemeClr>
+          </a:lnRef>
+          <a:fillRef idx="1">
+            <a:schemeClr val="accent1"/>
+          </a:fillRef>
+          <a:effectRef idx="0">
+            <a:schemeClr val="accent1"/>
+          </a:effectRef>
+          <a:fontRef idx="minor">
+            <a:schemeClr val="lt1"/>
+          </a:fontRef>
+        </p:style>
+        <p:txBody>
+          <a:bodyPr wrap="square" rtlCol="0" anchor="ctr">
+            <a:noAutofit/>
+          </a:bodyPr>
+          <a:lstStyle/>
+          <a:p>
+            <a:pPr algn="ctr"/>
+            <a:endParaRPr lang="en-US"/>
+          </a:p>
+        </p:txBody>
+      </p:sp>
+      <p:sp>
+        <p:nvSpPr>
+          <p:cNvPr id="2" name="Título 1">
+            <a:extLst>
+              <a:ext uri="{FF2B5EF4-FFF2-40B4-BE49-F238E27FC236}">
+                <a16:creationId xmlns:a16="http://schemas.microsoft.com/office/drawing/2014/main" id="{F773D440-9BC0-8DD9-63CC-169A9B5D0F23}"/>
+              </a:ext>
+            </a:extLst>
+          </p:cNvPr>
+          <p:cNvSpPr>
+            <a:spLocks noGrp="1"/>
+          </p:cNvSpPr>
+          <p:nvPr>
+            <p:ph type="title"/>
+          </p:nvPr>
+        </p:nvSpPr>
+        <p:spPr>
+          <a:xfrm>
+            <a:off x="1143001" y="1181100"/>
+            <a:ext cx="3894412" cy="1916773"/>
           </a:xfrm>
         </p:spPr>
         <p:txBody>
-          <a:bodyPr/>
+          <a:bodyPr anchor="t">
+            <a:normAutofit/>
+          </a:bodyPr>
           <a:lstStyle/>
           <a:p>
             <a:r>
@@ -4340,69 +4912,12 @@
           </a:p>
         </p:txBody>
       </p:sp>
-      <p:sp>
-        <p:nvSpPr>
-          <p:cNvPr id="3" name="Marcador de contenido 2">
-            <a:extLst>
-              <a:ext uri="{FF2B5EF4-FFF2-40B4-BE49-F238E27FC236}">
-                <a16:creationId xmlns:a16="http://schemas.microsoft.com/office/drawing/2014/main" id="{22253AD6-296F-22F1-2199-2CAFE420E565}"/>
-              </a:ext>
-            </a:extLst>
-          </p:cNvPr>
-          <p:cNvSpPr>
-            <a:spLocks noGrp="1"/>
-          </p:cNvSpPr>
-          <p:nvPr>
-            <p:ph idx="1"/>
-          </p:nvPr>
-        </p:nvSpPr>
-        <p:spPr>
-          <a:xfrm>
-            <a:off x="573833" y="897491"/>
-            <a:ext cx="9905999" cy="1641230"/>
-          </a:xfrm>
-        </p:spPr>
-        <p:txBody>
-          <a:bodyPr>
-            <a:normAutofit lnSpcReduction="10000"/>
-          </a:bodyPr>
-          <a:lstStyle/>
-          <a:p>
-            <a:r>
-              <a:rPr lang="es-ES" dirty="0"/>
-              <a:t>Dentro del proyecto el primer paso fue </a:t>
-            </a:r>
-            <a:r>
-              <a:rPr lang="es-ES" dirty="0" err="1"/>
-              <a:t>trimar</a:t>
-            </a:r>
-            <a:r>
-              <a:rPr lang="es-ES" dirty="0"/>
-              <a:t> y </a:t>
-            </a:r>
-            <a:r>
-              <a:rPr lang="es-ES" dirty="0" err="1"/>
-              <a:t>linealizatr</a:t>
-            </a:r>
-            <a:r>
-              <a:rPr lang="es-ES" dirty="0"/>
-              <a:t> el modelo que nos proporcionaron los profesores. Una vez habiendo hecho eso lo siguiente fue razonar los valores y respuestas para un bucle abierto.</a:t>
-            </a:r>
-          </a:p>
-          <a:p>
-            <a:r>
-              <a:rPr lang="es-ES" dirty="0"/>
-              <a:t>Estos fueron los resultados obtenidos:</a:t>
-            </a:r>
-          </a:p>
-        </p:txBody>
-      </p:sp>
       <p:pic>
         <p:nvPicPr>
-          <p:cNvPr id="5" name="Imagen 4">
-            <a:extLst>
-              <a:ext uri="{FF2B5EF4-FFF2-40B4-BE49-F238E27FC236}">
-                <a16:creationId xmlns:a16="http://schemas.microsoft.com/office/drawing/2014/main" id="{C980DE9C-C9FF-EF76-CCB7-F41E924E9BDE}"/>
+          <p:cNvPr id="6" name="Imagen 5">
+            <a:extLst>
+              <a:ext uri="{FF2B5EF4-FFF2-40B4-BE49-F238E27FC236}">
+                <a16:creationId xmlns:a16="http://schemas.microsoft.com/office/drawing/2014/main" id="{468A85EA-F7BB-B720-0039-5C1EF9E3FF21}"/>
               </a:ext>
             </a:extLst>
           </p:cNvPr>
@@ -4411,21 +4926,143 @@
           </p:cNvPicPr>
           <p:nvPr/>
         </p:nvPicPr>
-        <p:blipFill rotWithShape="1">
+        <p:blipFill>
           <a:blip r:embed="rId2"/>
-          <a:srcRect l="-1" t="9660" r="740" b="7347"/>
-          <a:stretch/>
+          <a:stretch>
+            <a:fillRect/>
+          </a:stretch>
         </p:blipFill>
         <p:spPr>
           <a:xfrm>
-            <a:off x="1659293" y="2650688"/>
-            <a:ext cx="8462865" cy="3980223"/>
+            <a:off x="6096000" y="1737246"/>
+            <a:ext cx="4952999" cy="879157"/>
           </a:xfrm>
           <a:prstGeom prst="rect">
             <a:avLst/>
           </a:prstGeom>
         </p:spPr>
       </p:pic>
+      <p:sp>
+        <p:nvSpPr>
+          <p:cNvPr id="3" name="Marcador de contenido 2">
+            <a:extLst>
+              <a:ext uri="{FF2B5EF4-FFF2-40B4-BE49-F238E27FC236}">
+                <a16:creationId xmlns:a16="http://schemas.microsoft.com/office/drawing/2014/main" id="{22253AD6-296F-22F1-2199-2CAFE420E565}"/>
+              </a:ext>
+            </a:extLst>
+          </p:cNvPr>
+          <p:cNvSpPr>
+            <a:spLocks noGrp="1"/>
+          </p:cNvSpPr>
+          <p:nvPr>
+            <p:ph idx="1"/>
+          </p:nvPr>
+        </p:nvSpPr>
+        <p:spPr>
+          <a:xfrm>
+            <a:off x="5453548" y="3362266"/>
+            <a:ext cx="5595452" cy="2352733"/>
+          </a:xfrm>
+        </p:spPr>
+        <p:txBody>
+          <a:bodyPr anchor="b">
+            <a:normAutofit/>
+          </a:bodyPr>
+          <a:lstStyle/>
+          <a:p>
+            <a:pPr algn="r">
+              <a:lnSpc>
+                <a:spcPct val="110000"/>
+              </a:lnSpc>
+            </a:pPr>
+            <a:r>
+              <a:rPr lang="es-ES" dirty="0"/>
+              <a:t>Dentro del proyecto el primer paso fue </a:t>
+            </a:r>
+            <a:r>
+              <a:rPr lang="es-ES" dirty="0" err="1"/>
+              <a:t>trimar</a:t>
+            </a:r>
+            <a:r>
+              <a:rPr lang="es-ES" dirty="0"/>
+              <a:t> y </a:t>
+            </a:r>
+            <a:r>
+              <a:rPr lang="es-ES" dirty="0" err="1"/>
+              <a:t>linealizatr</a:t>
+            </a:r>
+            <a:r>
+              <a:rPr lang="es-ES" dirty="0"/>
+              <a:t> el modelo que nos proporcionaron los profesores. Una vez habiendo hecho eso lo siguiente fue razonar los valores y respuestas para un bucle abierto.</a:t>
+            </a:r>
+            <a:endParaRPr lang="es-ES"/>
+          </a:p>
+          <a:p>
+            <a:pPr algn="r">
+              <a:lnSpc>
+                <a:spcPct val="110000"/>
+              </a:lnSpc>
+            </a:pPr>
+            <a:r>
+              <a:rPr lang="es-ES" dirty="0"/>
+              <a:t>Estos fueron los resultados obtenidos:</a:t>
+            </a:r>
+            <a:endParaRPr lang="es-ES"/>
+          </a:p>
+        </p:txBody>
+      </p:sp>
+      <p:cxnSp>
+        <p:nvCxnSpPr>
+          <p:cNvPr id="15" name="Straight Connector 14">
+            <a:extLst>
+              <a:ext uri="{FF2B5EF4-FFF2-40B4-BE49-F238E27FC236}">
+                <a16:creationId xmlns:a16="http://schemas.microsoft.com/office/drawing/2014/main" id="{1766FD2F-248A-4AA1-8078-E26D6E690BB9}"/>
+              </a:ext>
+              <a:ext uri="{C183D7F6-B498-43B3-948B-1728B52AA6E4}">
+                <adec:decorative xmlns:adec="http://schemas.microsoft.com/office/drawing/2017/decorative" val="1"/>
+              </a:ext>
+            </a:extLst>
+          </p:cNvPr>
+          <p:cNvCxnSpPr>
+            <a:cxnSpLocks noGrp="1" noRot="1" noChangeAspect="1" noMove="1" noResize="1" noEditPoints="1" noAdjustHandles="1" noChangeArrowheads="1" noChangeShapeType="1"/>
+          </p:cNvCxnSpPr>
+          <p:nvPr>
+            <p:extLst>
+              <p:ext uri="{386F3935-93C4-4BCD-93E2-E3B085C9AB24}">
+                <p16:designElem xmlns:p16="http://schemas.microsoft.com/office/powerpoint/2015/main" val="1"/>
+              </p:ext>
+            </p:extLst>
+          </p:nvPr>
+        </p:nvCxnSpPr>
+        <p:spPr>
+          <a:xfrm>
+            <a:off x="1233837" y="6172200"/>
+            <a:ext cx="9760638" cy="0"/>
+          </a:xfrm>
+          <a:prstGeom prst="line">
+            <a:avLst/>
+          </a:prstGeom>
+          <a:ln w="12700">
+            <a:solidFill>
+              <a:schemeClr val="tx1"/>
+            </a:solidFill>
+          </a:ln>
+        </p:spPr>
+        <p:style>
+          <a:lnRef idx="1">
+            <a:schemeClr val="accent1"/>
+          </a:lnRef>
+          <a:fillRef idx="0">
+            <a:schemeClr val="accent1"/>
+          </a:fillRef>
+          <a:effectRef idx="0">
+            <a:schemeClr val="accent1"/>
+          </a:effectRef>
+          <a:fontRef idx="minor">
+            <a:schemeClr val="tx1"/>
+          </a:fontRef>
+        </p:style>
+      </p:cxnSp>
     </p:spTree>
     <p:extLst>
       <p:ext uri="{BB962C8B-B14F-4D97-AF65-F5344CB8AC3E}">
@@ -4456,6 +5093,65 @@
           <a:chExt cx="0" cy="0"/>
         </a:xfrm>
       </p:grpSpPr>
+      <p:pic>
+        <p:nvPicPr>
+          <p:cNvPr id="4" name="Imagen 3">
+            <a:extLst>
+              <a:ext uri="{FF2B5EF4-FFF2-40B4-BE49-F238E27FC236}">
+                <a16:creationId xmlns:a16="http://schemas.microsoft.com/office/drawing/2014/main" id="{3CD5F3BE-02F4-98AD-D538-F9580A08A93F}"/>
+              </a:ext>
+            </a:extLst>
+          </p:cNvPr>
+          <p:cNvPicPr>
+            <a:picLocks noChangeAspect="1"/>
+          </p:cNvPicPr>
+          <p:nvPr/>
+        </p:nvPicPr>
+        <p:blipFill rotWithShape="1">
+          <a:blip r:embed="rId2"/>
+          <a:srcRect l="-1" t="9660" r="740" b="7347"/>
+          <a:stretch/>
+        </p:blipFill>
+        <p:spPr>
+          <a:xfrm>
+            <a:off x="1139668" y="1600201"/>
+            <a:ext cx="9582565" cy="4506836"/>
+          </a:xfrm>
+          <a:prstGeom prst="rect">
+            <a:avLst/>
+          </a:prstGeom>
+        </p:spPr>
+      </p:pic>
+    </p:spTree>
+    <p:extLst>
+      <p:ext uri="{BB962C8B-B14F-4D97-AF65-F5344CB8AC3E}">
+        <p14:creationId xmlns:p14="http://schemas.microsoft.com/office/powerpoint/2010/main" val="425474658"/>
+      </p:ext>
+    </p:extLst>
+  </p:cSld>
+  <p:clrMapOvr>
+    <a:masterClrMapping/>
+  </p:clrMapOvr>
+</p:sld>
+</file>
+
+<file path=ppt/slides/slide4.xml><?xml version="1.0" encoding="utf-8"?>
+<p:sld xmlns:a="http://schemas.openxmlformats.org/drawingml/2006/main" xmlns:r="http://schemas.openxmlformats.org/officeDocument/2006/relationships" xmlns:p="http://schemas.openxmlformats.org/presentationml/2006/main">
+  <p:cSld>
+    <p:spTree>
+      <p:nvGrpSpPr>
+        <p:cNvPr id="1" name=""/>
+        <p:cNvGrpSpPr/>
+        <p:nvPr/>
+      </p:nvGrpSpPr>
+      <p:grpSpPr>
+        <a:xfrm>
+          <a:off x="0" y="0"/>
+          <a:ext cx="0" cy="0"/>
+          <a:chOff x="0" y="0"/>
+          <a:chExt cx="0" cy="0"/>
+        </a:xfrm>
+      </p:grpSpPr>
       <p:sp>
         <p:nvSpPr>
           <p:cNvPr id="2" name="Título 1">
@@ -4483,7 +5179,7 @@
           <a:lstStyle/>
           <a:p>
             <a:r>
-              <a:rPr lang="es-ES" dirty="0"/>
+              <a:rPr lang="es-ES"/>
               <a:t>Escalón en el acelerador.</a:t>
             </a:r>
             <a:endParaRPr lang="es-MX" dirty="0"/>
@@ -4532,9 +5228,17 @@
 </p:sld>
 </file>
 
-<file path=ppt/slides/slide4.xml><?xml version="1.0" encoding="utf-8"?>
+<file path=ppt/slides/slide5.xml><?xml version="1.0" encoding="utf-8"?>
 <p:sld xmlns:a="http://schemas.openxmlformats.org/drawingml/2006/main" xmlns:r="http://schemas.openxmlformats.org/officeDocument/2006/relationships" xmlns:p="http://schemas.openxmlformats.org/presentationml/2006/main">
   <p:cSld>
+    <p:bg>
+      <p:bgPr>
+        <a:solidFill>
+          <a:schemeClr val="bg1"/>
+        </a:solidFill>
+        <a:effectLst/>
+      </p:bgPr>
+    </p:bg>
     <p:spTree>
       <p:nvGrpSpPr>
         <p:cNvPr id="1" name=""/>
@@ -4549,30 +5253,285 @@
           <a:chExt cx="0" cy="0"/>
         </a:xfrm>
       </p:grpSpPr>
-      <p:sp>
-        <p:nvSpPr>
-          <p:cNvPr id="2" name="Título 1">
-            <a:extLst>
-              <a:ext uri="{FF2B5EF4-FFF2-40B4-BE49-F238E27FC236}">
-                <a16:creationId xmlns:a16="http://schemas.microsoft.com/office/drawing/2014/main" id="{0E4B2DAE-8D9B-FE45-ABDC-4811413913D6}"/>
-              </a:ext>
-            </a:extLst>
-          </p:cNvPr>
-          <p:cNvSpPr>
-            <a:spLocks noGrp="1"/>
-          </p:cNvSpPr>
-          <p:nvPr>
-            <p:ph type="title"/>
+      <p:sp useBgFill="1">
+        <p:nvSpPr>
+          <p:cNvPr id="9" name="Rectangle 8">
+            <a:extLst>
+              <a:ext uri="{FF2B5EF4-FFF2-40B4-BE49-F238E27FC236}">
+                <a16:creationId xmlns:a16="http://schemas.microsoft.com/office/drawing/2014/main" id="{685B57F6-59DE-4274-A37C-F47FE4E42EEF}"/>
+              </a:ext>
+              <a:ext uri="{C183D7F6-B498-43B3-948B-1728B52AA6E4}">
+                <adec:decorative xmlns:adec="http://schemas.microsoft.com/office/drawing/2017/decorative" val="1"/>
+              </a:ext>
+            </a:extLst>
+          </p:cNvPr>
+          <p:cNvSpPr>
+            <a:spLocks noGrp="1" noRot="1" noChangeAspect="1" noMove="1" noResize="1" noEditPoints="1" noAdjustHandles="1" noChangeArrowheads="1" noChangeShapeType="1" noTextEdit="1"/>
+          </p:cNvSpPr>
+          <p:nvPr>
+            <p:extLst>
+              <p:ext uri="{386F3935-93C4-4BCD-93E2-E3B085C9AB24}">
+                <p16:designElem xmlns:p16="http://schemas.microsoft.com/office/powerpoint/2015/main" val="1"/>
+              </p:ext>
+            </p:extLst>
           </p:nvPr>
         </p:nvSpPr>
         <p:spPr>
           <a:xfrm>
-            <a:off x="807098" y="247784"/>
-            <a:ext cx="9905999" cy="797245"/>
+            <a:off x="0" y="0"/>
+            <a:ext cx="12192000" cy="6858000"/>
+          </a:xfrm>
+          <a:prstGeom prst="rect">
+            <a:avLst/>
+          </a:prstGeom>
+          <a:ln w="12700" cap="flat" cmpd="sng" algn="ctr">
+            <a:noFill/>
+            <a:prstDash val="solid"/>
+            <a:miter lim="800000"/>
+          </a:ln>
+          <a:effectLst/>
+          <a:extLst>
+            <a:ext uri="{91240B29-F687-4F45-9708-019B960494DF}">
+              <a14:hiddenLine xmlns:a14="http://schemas.microsoft.com/office/drawing/2010/main" w="12700" cap="flat" cmpd="sng" algn="ctr">
+                <a:solidFill>
+                  <a:schemeClr val="accent1">
+                    <a:shade val="50000"/>
+                  </a:schemeClr>
+                </a:solidFill>
+                <a:prstDash val="solid"/>
+                <a:miter lim="800000"/>
+              </a14:hiddenLine>
+            </a:ext>
+          </a:extLst>
+        </p:spPr>
+        <p:style>
+          <a:lnRef idx="2">
+            <a:schemeClr val="accent1">
+              <a:shade val="50000"/>
+            </a:schemeClr>
+          </a:lnRef>
+          <a:fillRef idx="1">
+            <a:schemeClr val="accent1"/>
+          </a:fillRef>
+          <a:effectRef idx="0">
+            <a:schemeClr val="accent1"/>
+          </a:effectRef>
+          <a:fontRef idx="minor">
+            <a:schemeClr val="lt1"/>
+          </a:fontRef>
+        </p:style>
+        <p:txBody>
+          <a:bodyPr rtlCol="0" anchor="ctr"/>
+          <a:lstStyle/>
+          <a:p>
+            <a:pPr algn="ctr"/>
+            <a:endParaRPr lang="en-US"/>
+          </a:p>
+        </p:txBody>
+      </p:sp>
+      <p:pic>
+        <p:nvPicPr>
+          <p:cNvPr id="5" name="Picture 4" descr="Aviones en un camino">
+            <a:extLst>
+              <a:ext uri="{FF2B5EF4-FFF2-40B4-BE49-F238E27FC236}">
+                <a16:creationId xmlns:a16="http://schemas.microsoft.com/office/drawing/2014/main" id="{1B5E301A-0537-9BA7-0F3E-19C3E4048056}"/>
+              </a:ext>
+            </a:extLst>
+          </p:cNvPr>
+          <p:cNvPicPr>
+            <a:picLocks noChangeAspect="1"/>
+          </p:cNvPicPr>
+          <p:nvPr/>
+        </p:nvPicPr>
+        <p:blipFill rotWithShape="1">
+          <a:blip r:embed="rId2"/>
+          <a:srcRect l="9269" r="2834" b="-1"/>
+          <a:stretch/>
+        </p:blipFill>
+        <p:spPr>
+          <a:xfrm>
+            <a:off x="3093268" y="10"/>
+            <a:ext cx="9098732" cy="6857990"/>
+          </a:xfrm>
+          <a:custGeom>
+            <a:avLst/>
+            <a:gdLst/>
+            <a:ahLst/>
+            <a:cxnLst/>
+            <a:rect l="l" t="t" r="r" b="b"/>
+            <a:pathLst>
+              <a:path w="9098732" h="6858000">
+                <a:moveTo>
+                  <a:pt x="6010592" y="0"/>
+                </a:moveTo>
+                <a:lnTo>
+                  <a:pt x="8235629" y="4"/>
+                </a:lnTo>
+                <a:cubicBezTo>
+                  <a:pt x="8235629" y="3"/>
+                  <a:pt x="8235630" y="3"/>
+                  <a:pt x="8235630" y="2"/>
+                </a:cubicBezTo>
+                <a:lnTo>
+                  <a:pt x="9098732" y="0"/>
+                </a:lnTo>
+                <a:lnTo>
+                  <a:pt x="9098732" y="6858000"/>
+                </a:lnTo>
+                <a:lnTo>
+                  <a:pt x="0" y="6858000"/>
+                </a:lnTo>
+                <a:lnTo>
+                  <a:pt x="6010589" y="4"/>
+                </a:lnTo>
+                <a:cubicBezTo>
+                  <a:pt x="6010589" y="3"/>
+                  <a:pt x="6010590" y="3"/>
+                  <a:pt x="6010590" y="2"/>
+                </a:cubicBezTo>
+                <a:close/>
+              </a:path>
+            </a:pathLst>
+          </a:custGeom>
+        </p:spPr>
+      </p:pic>
+      <p:sp>
+        <p:nvSpPr>
+          <p:cNvPr id="11" name="Freeform: Shape 10">
+            <a:extLst>
+              <a:ext uri="{FF2B5EF4-FFF2-40B4-BE49-F238E27FC236}">
+                <a16:creationId xmlns:a16="http://schemas.microsoft.com/office/drawing/2014/main" id="{C8C63406-9171-4282-BAAB-2DDC6831F0E6}"/>
+              </a:ext>
+              <a:ext uri="{C183D7F6-B498-43B3-948B-1728B52AA6E4}">
+                <adec:decorative xmlns:adec="http://schemas.microsoft.com/office/drawing/2017/decorative" val="1"/>
+              </a:ext>
+            </a:extLst>
+          </p:cNvPr>
+          <p:cNvSpPr>
+            <a:spLocks noGrp="1" noRot="1" noChangeAspect="1" noMove="1" noResize="1" noEditPoints="1" noAdjustHandles="1" noChangeArrowheads="1" noChangeShapeType="1" noTextEdit="1"/>
+          </p:cNvSpPr>
+          <p:nvPr>
+            <p:extLst>
+              <p:ext uri="{386F3935-93C4-4BCD-93E2-E3B085C9AB24}">
+                <p16:designElem xmlns:p16="http://schemas.microsoft.com/office/powerpoint/2015/main" val="1"/>
+              </p:ext>
+            </p:extLst>
+          </p:nvPr>
+        </p:nvSpPr>
+        <p:spPr>
+          <a:xfrm>
+            <a:off x="3090295" y="-2"/>
+            <a:ext cx="8239927" cy="6858000"/>
+          </a:xfrm>
+          <a:custGeom>
+            <a:avLst/>
+            <a:gdLst>
+              <a:gd name="connsiteX0" fmla="*/ 6010593 w 8239927"/>
+              <a:gd name="connsiteY0" fmla="*/ 0 h 6858000"/>
+              <a:gd name="connsiteX1" fmla="*/ 8239927 w 8239927"/>
+              <a:gd name="connsiteY1" fmla="*/ 0 h 6858000"/>
+              <a:gd name="connsiteX2" fmla="*/ 2229335 w 8239927"/>
+              <a:gd name="connsiteY2" fmla="*/ 6858000 h 6858000"/>
+              <a:gd name="connsiteX3" fmla="*/ 0 w 8239927"/>
+              <a:gd name="connsiteY3" fmla="*/ 6858000 h 6858000"/>
+            </a:gdLst>
+            <a:ahLst/>
+            <a:cxnLst>
+              <a:cxn ang="0">
+                <a:pos x="connsiteX0" y="connsiteY0"/>
+              </a:cxn>
+              <a:cxn ang="0">
+                <a:pos x="connsiteX1" y="connsiteY1"/>
+              </a:cxn>
+              <a:cxn ang="0">
+                <a:pos x="connsiteX2" y="connsiteY2"/>
+              </a:cxn>
+              <a:cxn ang="0">
+                <a:pos x="connsiteX3" y="connsiteY3"/>
+              </a:cxn>
+            </a:cxnLst>
+            <a:rect l="l" t="t" r="r" b="b"/>
+            <a:pathLst>
+              <a:path w="8239927" h="6858000">
+                <a:moveTo>
+                  <a:pt x="6010593" y="0"/>
+                </a:moveTo>
+                <a:lnTo>
+                  <a:pt x="8239927" y="0"/>
+                </a:lnTo>
+                <a:lnTo>
+                  <a:pt x="2229335" y="6858000"/>
+                </a:lnTo>
+                <a:lnTo>
+                  <a:pt x="0" y="6858000"/>
+                </a:lnTo>
+                <a:close/>
+              </a:path>
+            </a:pathLst>
+          </a:custGeom>
+          <a:solidFill>
+            <a:schemeClr val="bg2">
+              <a:alpha val="60000"/>
+            </a:schemeClr>
+          </a:solidFill>
+          <a:ln w="12700" cap="flat" cmpd="sng" algn="ctr">
+            <a:noFill/>
+            <a:prstDash val="solid"/>
+            <a:miter lim="800000"/>
+          </a:ln>
+          <a:effectLst/>
+        </p:spPr>
+        <p:style>
+          <a:lnRef idx="2">
+            <a:schemeClr val="accent1">
+              <a:shade val="50000"/>
+            </a:schemeClr>
+          </a:lnRef>
+          <a:fillRef idx="1">
+            <a:schemeClr val="accent1"/>
+          </a:fillRef>
+          <a:effectRef idx="0">
+            <a:schemeClr val="accent1"/>
+          </a:effectRef>
+          <a:fontRef idx="minor">
+            <a:schemeClr val="lt1"/>
+          </a:fontRef>
+        </p:style>
+        <p:txBody>
+          <a:bodyPr rtlCol="0" anchor="ctr"/>
+          <a:lstStyle/>
+          <a:p>
+            <a:pPr algn="ctr"/>
+            <a:endParaRPr lang="en-US"/>
+          </a:p>
+        </p:txBody>
+      </p:sp>
+      <p:sp>
+        <p:nvSpPr>
+          <p:cNvPr id="2" name="Título 1">
+            <a:extLst>
+              <a:ext uri="{FF2B5EF4-FFF2-40B4-BE49-F238E27FC236}">
+                <a16:creationId xmlns:a16="http://schemas.microsoft.com/office/drawing/2014/main" id="{0E4B2DAE-8D9B-FE45-ABDC-4811413913D6}"/>
+              </a:ext>
+            </a:extLst>
+          </p:cNvPr>
+          <p:cNvSpPr>
+            <a:spLocks noGrp="1"/>
+          </p:cNvSpPr>
+          <p:nvPr>
+            <p:ph type="title"/>
+          </p:nvPr>
+        </p:nvSpPr>
+        <p:spPr>
+          <a:xfrm>
+            <a:off x="1143001" y="872937"/>
+            <a:ext cx="5920740" cy="1360898"/>
           </a:xfrm>
         </p:spPr>
         <p:txBody>
-          <a:bodyPr/>
+          <a:bodyPr>
+            <a:normAutofit/>
+          </a:bodyPr>
           <a:lstStyle/>
           <a:p>
             <a:r>
@@ -4601,12 +5560,14 @@
         </p:nvSpPr>
         <p:spPr>
           <a:xfrm>
-            <a:off x="807098" y="979087"/>
-            <a:ext cx="9905999" cy="1194945"/>
+            <a:off x="1143002" y="2332029"/>
+            <a:ext cx="4118906" cy="3840171"/>
           </a:xfrm>
         </p:spPr>
         <p:txBody>
-          <a:bodyPr/>
+          <a:bodyPr>
+            <a:normAutofit/>
+          </a:bodyPr>
           <a:lstStyle/>
           <a:p>
             <a:r>
@@ -4648,9 +5609,17 @@
 </p:sld>
 </file>
 
-<file path=ppt/slides/slide5.xml><?xml version="1.0" encoding="utf-8"?>
+<file path=ppt/slides/slide6.xml><?xml version="1.0" encoding="utf-8"?>
 <p:sld xmlns:a="http://schemas.openxmlformats.org/drawingml/2006/main" xmlns:r="http://schemas.openxmlformats.org/officeDocument/2006/relationships" xmlns:p="http://schemas.openxmlformats.org/presentationml/2006/main">
   <p:cSld>
+    <p:bg>
+      <p:bgPr>
+        <a:solidFill>
+          <a:schemeClr val="bg1"/>
+        </a:solidFill>
+        <a:effectLst/>
+      </p:bgPr>
+    </p:bg>
     <p:spTree>
       <p:nvGrpSpPr>
         <p:cNvPr id="1" name=""/>
@@ -4665,160 +5634,115 @@
           <a:chExt cx="0" cy="0"/>
         </a:xfrm>
       </p:grpSpPr>
-      <p:sp>
-        <p:nvSpPr>
-          <p:cNvPr id="2" name="Título 1">
-            <a:extLst>
-              <a:ext uri="{FF2B5EF4-FFF2-40B4-BE49-F238E27FC236}">
-                <a16:creationId xmlns:a16="http://schemas.microsoft.com/office/drawing/2014/main" id="{9DFA2475-42E8-9F03-B66D-16F45F59DCB7}"/>
-              </a:ext>
-            </a:extLst>
-          </p:cNvPr>
-          <p:cNvSpPr>
-            <a:spLocks noGrp="1"/>
-          </p:cNvSpPr>
-          <p:nvPr>
-            <p:ph type="title"/>
-          </p:nvPr>
-        </p:nvSpPr>
-        <p:spPr/>
-        <p:txBody>
-          <a:bodyPr/>
-          <a:lstStyle/>
-          <a:p>
-            <a:r>
-              <a:rPr lang="es-ES" dirty="0"/>
-              <a:t>PASO 3</a:t>
-            </a:r>
-            <a:endParaRPr lang="es-MX" dirty="0"/>
-          </a:p>
-        </p:txBody>
-      </p:sp>
-      <p:sp>
-        <p:nvSpPr>
-          <p:cNvPr id="3" name="Marcador de contenido 2">
-            <a:extLst>
-              <a:ext uri="{FF2B5EF4-FFF2-40B4-BE49-F238E27FC236}">
-                <a16:creationId xmlns:a16="http://schemas.microsoft.com/office/drawing/2014/main" id="{82C33768-4FFE-5984-5CF7-287E3A39671B}"/>
-              </a:ext>
-            </a:extLst>
-          </p:cNvPr>
-          <p:cNvSpPr>
-            <a:spLocks noGrp="1"/>
-          </p:cNvSpPr>
-          <p:nvPr>
-            <p:ph idx="1"/>
-          </p:nvPr>
-        </p:nvSpPr>
-        <p:spPr/>
-        <p:txBody>
-          <a:bodyPr/>
-          <a:lstStyle/>
-          <a:p>
-            <a:r>
-              <a:rPr lang="es-ES" dirty="0"/>
-              <a:t>En esta etapa del proyecto lo que se pretendía era añadir un sistema de tracking de la velocidad aerodinámica. </a:t>
-            </a:r>
-            <a:endParaRPr lang="es-MX" dirty="0"/>
-          </a:p>
-        </p:txBody>
-      </p:sp>
+      <p:sp useBgFill="1">
+        <p:nvSpPr>
+          <p:cNvPr id="10" name="Rectangle 9">
+            <a:extLst>
+              <a:ext uri="{FF2B5EF4-FFF2-40B4-BE49-F238E27FC236}">
+                <a16:creationId xmlns:a16="http://schemas.microsoft.com/office/drawing/2014/main" id="{FD57F13B-6973-4CE9-92F3-5EC476ED97B5}"/>
+              </a:ext>
+              <a:ext uri="{C183D7F6-B498-43B3-948B-1728B52AA6E4}">
+                <adec:decorative xmlns:adec="http://schemas.microsoft.com/office/drawing/2017/decorative" val="1"/>
+              </a:ext>
+            </a:extLst>
+          </p:cNvPr>
+          <p:cNvSpPr>
+            <a:spLocks noGrp="1" noRot="1" noChangeAspect="1" noMove="1" noResize="1" noEditPoints="1" noAdjustHandles="1" noChangeArrowheads="1" noChangeShapeType="1" noTextEdit="1"/>
+          </p:cNvSpPr>
+          <p:nvPr>
+            <p:extLst>
+              <p:ext uri="{386F3935-93C4-4BCD-93E2-E3B085C9AB24}">
+                <p16:designElem xmlns:p16="http://schemas.microsoft.com/office/powerpoint/2015/main" val="1"/>
+              </p:ext>
+            </p:extLst>
+          </p:nvPr>
+        </p:nvSpPr>
+        <p:spPr>
+          <a:xfrm>
+            <a:off x="0" y="0"/>
+            <a:ext cx="12192000" cy="6858000"/>
+          </a:xfrm>
+          <a:prstGeom prst="rect">
+            <a:avLst/>
+          </a:prstGeom>
+          <a:ln w="12700" cap="flat" cmpd="sng" algn="ctr">
+            <a:noFill/>
+            <a:prstDash val="solid"/>
+            <a:miter lim="800000"/>
+          </a:ln>
+          <a:effectLst/>
+          <a:extLst>
+            <a:ext uri="{91240B29-F687-4F45-9708-019B960494DF}">
+              <a14:hiddenLine xmlns:a14="http://schemas.microsoft.com/office/drawing/2010/main" w="12700" cap="flat" cmpd="sng" algn="ctr">
+                <a:solidFill>
+                  <a:schemeClr val="accent1">
+                    <a:shade val="50000"/>
+                  </a:schemeClr>
+                </a:solidFill>
+                <a:prstDash val="solid"/>
+                <a:miter lim="800000"/>
+              </a14:hiddenLine>
+            </a:ext>
+          </a:extLst>
+        </p:spPr>
+        <p:style>
+          <a:lnRef idx="2">
+            <a:schemeClr val="accent1">
+              <a:shade val="50000"/>
+            </a:schemeClr>
+          </a:lnRef>
+          <a:fillRef idx="1">
+            <a:schemeClr val="accent1"/>
+          </a:fillRef>
+          <a:effectRef idx="0">
+            <a:schemeClr val="accent1"/>
+          </a:effectRef>
+          <a:fontRef idx="minor">
+            <a:schemeClr val="lt1"/>
+          </a:fontRef>
+        </p:style>
+        <p:txBody>
+          <a:bodyPr rtlCol="0" anchor="ctr"/>
+          <a:lstStyle/>
+          <a:p>
+            <a:pPr algn="ctr"/>
+            <a:endParaRPr lang="en-US"/>
+          </a:p>
+        </p:txBody>
+      </p:sp>
+      <p:pic>
+        <p:nvPicPr>
+          <p:cNvPr id="5" name="Imagen 4">
+            <a:extLst>
+              <a:ext uri="{FF2B5EF4-FFF2-40B4-BE49-F238E27FC236}">
+                <a16:creationId xmlns:a16="http://schemas.microsoft.com/office/drawing/2014/main" id="{AC68AE17-3874-9907-B132-963CE45488F6}"/>
+              </a:ext>
+            </a:extLst>
+          </p:cNvPr>
+          <p:cNvPicPr>
+            <a:picLocks noChangeAspect="1"/>
+          </p:cNvPicPr>
+          <p:nvPr/>
+        </p:nvPicPr>
+        <p:blipFill rotWithShape="1">
+          <a:blip r:embed="rId2"/>
+          <a:srcRect l="11604" r="10957" b="-1"/>
+          <a:stretch/>
+        </p:blipFill>
+        <p:spPr>
+          <a:xfrm>
+            <a:off x="253043" y="253672"/>
+            <a:ext cx="11685916" cy="5960754"/>
+          </a:xfrm>
+          <a:prstGeom prst="rect">
+            <a:avLst/>
+          </a:prstGeom>
+        </p:spPr>
+      </p:pic>
     </p:spTree>
     <p:extLst>
       <p:ext uri="{BB962C8B-B14F-4D97-AF65-F5344CB8AC3E}">
-        <p14:creationId xmlns:p14="http://schemas.microsoft.com/office/powerpoint/2010/main" val="322097390"/>
-      </p:ext>
-    </p:extLst>
-  </p:cSld>
-  <p:clrMapOvr>
-    <a:masterClrMapping/>
-  </p:clrMapOvr>
-</p:sld>
-</file>
-
-<file path=ppt/slides/slide6.xml><?xml version="1.0" encoding="utf-8"?>
-<p:sld xmlns:a="http://schemas.openxmlformats.org/drawingml/2006/main" xmlns:r="http://schemas.openxmlformats.org/officeDocument/2006/relationships" xmlns:p="http://schemas.openxmlformats.org/presentationml/2006/main">
-  <p:cSld>
-    <p:spTree>
-      <p:nvGrpSpPr>
-        <p:cNvPr id="1" name=""/>
-        <p:cNvGrpSpPr/>
-        <p:nvPr/>
-      </p:nvGrpSpPr>
-      <p:grpSpPr>
-        <a:xfrm>
-          <a:off x="0" y="0"/>
-          <a:ext cx="0" cy="0"/>
-          <a:chOff x="0" y="0"/>
-          <a:chExt cx="0" cy="0"/>
-        </a:xfrm>
-      </p:grpSpPr>
-      <p:sp>
-        <p:nvSpPr>
-          <p:cNvPr id="2" name="Título 1">
-            <a:extLst>
-              <a:ext uri="{FF2B5EF4-FFF2-40B4-BE49-F238E27FC236}">
-                <a16:creationId xmlns:a16="http://schemas.microsoft.com/office/drawing/2014/main" id="{A31E56C3-072C-F63E-6E67-9710174A8A89}"/>
-              </a:ext>
-            </a:extLst>
-          </p:cNvPr>
-          <p:cNvSpPr>
-            <a:spLocks noGrp="1"/>
-          </p:cNvSpPr>
-          <p:nvPr>
-            <p:ph type="title"/>
-          </p:nvPr>
-        </p:nvSpPr>
-        <p:spPr/>
-        <p:txBody>
-          <a:bodyPr/>
-          <a:lstStyle/>
-          <a:p>
-            <a:r>
-              <a:rPr lang="es-ES" dirty="0"/>
-              <a:t>PASO 4</a:t>
-            </a:r>
-            <a:endParaRPr lang="es-MX" dirty="0"/>
-          </a:p>
-        </p:txBody>
-      </p:sp>
-      <p:sp>
-        <p:nvSpPr>
-          <p:cNvPr id="3" name="Marcador de contenido 2">
-            <a:extLst>
-              <a:ext uri="{FF2B5EF4-FFF2-40B4-BE49-F238E27FC236}">
-                <a16:creationId xmlns:a16="http://schemas.microsoft.com/office/drawing/2014/main" id="{3FD157D5-08FC-3C68-E34B-EC1779750E8A}"/>
-              </a:ext>
-            </a:extLst>
-          </p:cNvPr>
-          <p:cNvSpPr>
-            <a:spLocks noGrp="1"/>
-          </p:cNvSpPr>
-          <p:nvPr>
-            <p:ph idx="1"/>
-          </p:nvPr>
-        </p:nvSpPr>
-        <p:spPr/>
-        <p:txBody>
-          <a:bodyPr/>
-          <a:lstStyle/>
-          <a:p>
-            <a:r>
-              <a:rPr lang="es-ES" dirty="0"/>
-              <a:t>Por último </a:t>
-            </a:r>
-            <a:r>
-              <a:rPr lang="es-ES"/>
-              <a:t>el proyecto </a:t>
-            </a:r>
-            <a:endParaRPr lang="es-MX"/>
-          </a:p>
-        </p:txBody>
-      </p:sp>
-    </p:spTree>
-    <p:extLst>
-      <p:ext uri="{BB962C8B-B14F-4D97-AF65-F5344CB8AC3E}">
-        <p14:creationId xmlns:p14="http://schemas.microsoft.com/office/powerpoint/2010/main" val="2624686256"/>
+        <p14:creationId xmlns:p14="http://schemas.microsoft.com/office/powerpoint/2010/main" val="983091637"/>
       </p:ext>
     </p:extLst>
   </p:cSld>

--- a/Presentacion1.pptx
+++ b/Presentacion1.pptx
@@ -7,10 +7,13 @@
   <p:sldIdLst>
     <p:sldId id="256" r:id="rId2"/>
     <p:sldId id="257" r:id="rId3"/>
-    <p:sldId id="262" r:id="rId4"/>
-    <p:sldId id="261" r:id="rId5"/>
-    <p:sldId id="258" r:id="rId6"/>
-    <p:sldId id="263" r:id="rId7"/>
+    <p:sldId id="264" r:id="rId4"/>
+    <p:sldId id="265" r:id="rId5"/>
+    <p:sldId id="261" r:id="rId6"/>
+    <p:sldId id="258" r:id="rId7"/>
+    <p:sldId id="267" r:id="rId8"/>
+    <p:sldId id="266" r:id="rId9"/>
+    <p:sldId id="263" r:id="rId10"/>
   </p:sldIdLst>
   <p:sldSz cx="12192000" cy="6858000"/>
   <p:notesSz cx="6858000" cy="9144000"/>
@@ -120,7 +123,7 @@
 <file path=ppt/revisionInfo.xml><?xml version="1.0" encoding="utf-8"?>
 <p1510:revInfo xmlns:a="http://schemas.openxmlformats.org/drawingml/2006/main" xmlns:r="http://schemas.openxmlformats.org/officeDocument/2006/relationships" xmlns:p1510="http://schemas.microsoft.com/office/powerpoint/2015/10/main">
   <p1510:revLst>
-    <p1510:client id="{ED61DCA1-FADB-4A0C-9775-F8BC733857A2}" v="1" dt="2023-04-20T14:23:29.926"/>
+    <p1510:client id="{ED61DCA1-FADB-4A0C-9775-F8BC733857A2}" v="4" dt="2023-04-20T18:31:39.719"/>
   </p1510:revLst>
 </p1510:revInfo>
 </file>
@@ -130,12 +133,12 @@
   <pc:docChgLst>
     <pc:chgData name="Samuel Gonzalez" userId="14b959e4d93e70df" providerId="LiveId" clId="{ED61DCA1-FADB-4A0C-9775-F8BC733857A2}"/>
     <pc:docChg chg="undo custSel addSld delSld modSld">
-      <pc:chgData name="Samuel Gonzalez" userId="14b959e4d93e70df" providerId="LiveId" clId="{ED61DCA1-FADB-4A0C-9775-F8BC733857A2}" dt="2023-04-20T15:47:28.179" v="95" actId="26606"/>
+      <pc:chgData name="Samuel Gonzalez" userId="14b959e4d93e70df" providerId="LiveId" clId="{ED61DCA1-FADB-4A0C-9775-F8BC733857A2}" dt="2023-04-20T18:47:04.376" v="306" actId="14100"/>
       <pc:docMkLst>
         <pc:docMk/>
       </pc:docMkLst>
       <pc:sldChg chg="addSp delSp modSp mod setBg">
-        <pc:chgData name="Samuel Gonzalez" userId="14b959e4d93e70df" providerId="LiveId" clId="{ED61DCA1-FADB-4A0C-9775-F8BC733857A2}" dt="2023-04-20T14:24:27.108" v="77" actId="26606"/>
+        <pc:chgData name="Samuel Gonzalez" userId="14b959e4d93e70df" providerId="LiveId" clId="{ED61DCA1-FADB-4A0C-9775-F8BC733857A2}" dt="2023-04-20T16:23:09.517" v="112" actId="14100"/>
         <pc:sldMkLst>
           <pc:docMk/>
           <pc:sldMk cId="364254758" sldId="257"/>
@@ -149,7 +152,7 @@
           </ac:spMkLst>
         </pc:spChg>
         <pc:spChg chg="mod ord">
-          <ac:chgData name="Samuel Gonzalez" userId="14b959e4d93e70df" providerId="LiveId" clId="{ED61DCA1-FADB-4A0C-9775-F8BC733857A2}" dt="2023-04-20T14:24:27.108" v="77" actId="26606"/>
+          <ac:chgData name="Samuel Gonzalez" userId="14b959e4d93e70df" providerId="LiveId" clId="{ED61DCA1-FADB-4A0C-9775-F8BC733857A2}" dt="2023-04-20T16:23:01.468" v="111" actId="20577"/>
           <ac:spMkLst>
             <pc:docMk/>
             <pc:sldMk cId="364254758" sldId="257"/>
@@ -181,7 +184,7 @@
           </ac:picMkLst>
         </pc:picChg>
         <pc:picChg chg="add mod">
-          <ac:chgData name="Samuel Gonzalez" userId="14b959e4d93e70df" providerId="LiveId" clId="{ED61DCA1-FADB-4A0C-9775-F8BC733857A2}" dt="2023-04-20T14:24:27.108" v="77" actId="26606"/>
+          <ac:chgData name="Samuel Gonzalez" userId="14b959e4d93e70df" providerId="LiveId" clId="{ED61DCA1-FADB-4A0C-9775-F8BC733857A2}" dt="2023-04-20T16:23:09.517" v="112" actId="14100"/>
           <ac:picMkLst>
             <pc:docMk/>
             <pc:sldMk cId="364254758" sldId="257"/>
@@ -385,8 +388,8 @@
           </ac:cxnSpMkLst>
         </pc:cxnChg>
       </pc:sldChg>
-      <pc:sldChg chg="addSp delSp modSp new mod">
-        <pc:chgData name="Samuel Gonzalez" userId="14b959e4d93e70df" providerId="LiveId" clId="{ED61DCA1-FADB-4A0C-9775-F8BC733857A2}" dt="2023-04-20T14:23:35.517" v="74" actId="1076"/>
+      <pc:sldChg chg="addSp delSp modSp new del mod">
+        <pc:chgData name="Samuel Gonzalez" userId="14b959e4d93e70df" providerId="LiveId" clId="{ED61DCA1-FADB-4A0C-9775-F8BC733857A2}" dt="2023-04-20T16:31:26.816" v="132" actId="47"/>
         <pc:sldMkLst>
           <pc:docMk/>
           <pc:sldMk cId="425474658" sldId="262"/>
@@ -407,8 +410,8 @@
             <ac:spMk id="3" creationId="{0CDCB640-872F-1280-E96B-CF03A8A53C58}"/>
           </ac:spMkLst>
         </pc:spChg>
-        <pc:picChg chg="add mod">
-          <ac:chgData name="Samuel Gonzalez" userId="14b959e4d93e70df" providerId="LiveId" clId="{ED61DCA1-FADB-4A0C-9775-F8BC733857A2}" dt="2023-04-20T14:23:35.517" v="74" actId="1076"/>
+        <pc:picChg chg="add del mod">
+          <ac:chgData name="Samuel Gonzalez" userId="14b959e4d93e70df" providerId="LiveId" clId="{ED61DCA1-FADB-4A0C-9775-F8BC733857A2}" dt="2023-04-20T16:31:25.048" v="131" actId="21"/>
           <ac:picMkLst>
             <pc:docMk/>
             <pc:sldMk cId="425474658" sldId="262"/>
@@ -417,7 +420,7 @@
         </pc:picChg>
       </pc:sldChg>
       <pc:sldChg chg="addSp delSp modSp new mod setBg">
-        <pc:chgData name="Samuel Gonzalez" userId="14b959e4d93e70df" providerId="LiveId" clId="{ED61DCA1-FADB-4A0C-9775-F8BC733857A2}" dt="2023-04-20T15:47:28.179" v="95" actId="26606"/>
+        <pc:chgData name="Samuel Gonzalez" userId="14b959e4d93e70df" providerId="LiveId" clId="{ED61DCA1-FADB-4A0C-9775-F8BC733857A2}" dt="2023-04-20T18:46:05.440" v="301" actId="14100"/>
         <pc:sldMkLst>
           <pc:docMk/>
           <pc:sldMk cId="983091637" sldId="263"/>
@@ -446,8 +449,24 @@
             <ac:spMk id="10" creationId="{FD57F13B-6973-4CE9-92F3-5EC476ED97B5}"/>
           </ac:spMkLst>
         </pc:spChg>
+        <pc:picChg chg="add del mod">
+          <ac:chgData name="Samuel Gonzalez" userId="14b959e4d93e70df" providerId="LiveId" clId="{ED61DCA1-FADB-4A0C-9775-F8BC733857A2}" dt="2023-04-20T18:45:54.217" v="295" actId="478"/>
+          <ac:picMkLst>
+            <pc:docMk/>
+            <pc:sldMk cId="983091637" sldId="263"/>
+            <ac:picMk id="3" creationId="{3044E769-7C30-A1A3-0D78-24DE1CA3A2C6}"/>
+          </ac:picMkLst>
+        </pc:picChg>
         <pc:picChg chg="add mod">
-          <ac:chgData name="Samuel Gonzalez" userId="14b959e4d93e70df" providerId="LiveId" clId="{ED61DCA1-FADB-4A0C-9775-F8BC733857A2}" dt="2023-04-20T15:47:28.179" v="95" actId="26606"/>
+          <ac:chgData name="Samuel Gonzalez" userId="14b959e4d93e70df" providerId="LiveId" clId="{ED61DCA1-FADB-4A0C-9775-F8BC733857A2}" dt="2023-04-20T18:46:05.440" v="301" actId="14100"/>
+          <ac:picMkLst>
+            <pc:docMk/>
+            <pc:sldMk cId="983091637" sldId="263"/>
+            <ac:picMk id="4" creationId="{8AC32C29-BCDC-6021-1460-25631665161F}"/>
+          </ac:picMkLst>
+        </pc:picChg>
+        <pc:picChg chg="add del mod">
+          <ac:chgData name="Samuel Gonzalez" userId="14b959e4d93e70df" providerId="LiveId" clId="{ED61DCA1-FADB-4A0C-9775-F8BC733857A2}" dt="2023-04-20T16:41:11.691" v="253" actId="478"/>
           <ac:picMkLst>
             <pc:docMk/>
             <pc:sldMk cId="983091637" sldId="263"/>
@@ -477,6 +496,250 @@
             <ac:spMk id="3" creationId="{C577290F-54F2-15D9-F55B-3F5008B7DB93}"/>
           </ac:spMkLst>
         </pc:spChg>
+      </pc:sldChg>
+      <pc:sldChg chg="addSp delSp modSp new mod setBg">
+        <pc:chgData name="Samuel Gonzalez" userId="14b959e4d93e70df" providerId="LiveId" clId="{ED61DCA1-FADB-4A0C-9775-F8BC733857A2}" dt="2023-04-20T16:38:40.166" v="243" actId="27614"/>
+        <pc:sldMkLst>
+          <pc:docMk/>
+          <pc:sldMk cId="29543248" sldId="264"/>
+        </pc:sldMkLst>
+        <pc:spChg chg="mod">
+          <ac:chgData name="Samuel Gonzalez" userId="14b959e4d93e70df" providerId="LiveId" clId="{ED61DCA1-FADB-4A0C-9775-F8BC733857A2}" dt="2023-04-20T16:38:35.993" v="242" actId="26606"/>
+          <ac:spMkLst>
+            <pc:docMk/>
+            <pc:sldMk cId="29543248" sldId="264"/>
+            <ac:spMk id="2" creationId="{850E4620-2C50-3879-9086-B18EDB8FB998}"/>
+          </ac:spMkLst>
+        </pc:spChg>
+        <pc:spChg chg="del">
+          <ac:chgData name="Samuel Gonzalez" userId="14b959e4d93e70df" providerId="LiveId" clId="{ED61DCA1-FADB-4A0C-9775-F8BC733857A2}" dt="2023-04-20T16:26:35.396" v="114" actId="22"/>
+          <ac:spMkLst>
+            <pc:docMk/>
+            <pc:sldMk cId="29543248" sldId="264"/>
+            <ac:spMk id="3" creationId="{0AA85FCE-9C15-CAD8-B753-68CD48EB36E2}"/>
+          </ac:spMkLst>
+        </pc:spChg>
+        <pc:spChg chg="add del">
+          <ac:chgData name="Samuel Gonzalez" userId="14b959e4d93e70df" providerId="LiveId" clId="{ED61DCA1-FADB-4A0C-9775-F8BC733857A2}" dt="2023-04-20T16:38:35.993" v="242" actId="26606"/>
+          <ac:spMkLst>
+            <pc:docMk/>
+            <pc:sldMk cId="29543248" sldId="264"/>
+            <ac:spMk id="11" creationId="{5CD60141-EEBD-4EC1-8E34-0344C16A18A2}"/>
+          </ac:spMkLst>
+        </pc:spChg>
+        <pc:spChg chg="add del">
+          <ac:chgData name="Samuel Gonzalez" userId="14b959e4d93e70df" providerId="LiveId" clId="{ED61DCA1-FADB-4A0C-9775-F8BC733857A2}" dt="2023-04-20T16:38:35.993" v="242" actId="26606"/>
+          <ac:spMkLst>
+            <pc:docMk/>
+            <pc:sldMk cId="29543248" sldId="264"/>
+            <ac:spMk id="15" creationId="{4DE524F2-C7AF-4466-BA99-09C19DE0D819}"/>
+          </ac:spMkLst>
+        </pc:spChg>
+        <pc:spChg chg="add del">
+          <ac:chgData name="Samuel Gonzalez" userId="14b959e4d93e70df" providerId="LiveId" clId="{ED61DCA1-FADB-4A0C-9775-F8BC733857A2}" dt="2023-04-20T16:38:35.993" v="242" actId="26606"/>
+          <ac:spMkLst>
+            <pc:docMk/>
+            <pc:sldMk cId="29543248" sldId="264"/>
+            <ac:spMk id="17" creationId="{F391DB8F-CD1E-4B48-81D6-9781BA3F4CF1}"/>
+          </ac:spMkLst>
+        </pc:spChg>
+        <pc:spChg chg="add">
+          <ac:chgData name="Samuel Gonzalez" userId="14b959e4d93e70df" providerId="LiveId" clId="{ED61DCA1-FADB-4A0C-9775-F8BC733857A2}" dt="2023-04-20T16:38:35.993" v="242" actId="26606"/>
+          <ac:spMkLst>
+            <pc:docMk/>
+            <pc:sldMk cId="29543248" sldId="264"/>
+            <ac:spMk id="22" creationId="{5CD60141-EEBD-4EC1-8E34-0344C16A18A2}"/>
+          </ac:spMkLst>
+        </pc:spChg>
+        <pc:spChg chg="add">
+          <ac:chgData name="Samuel Gonzalez" userId="14b959e4d93e70df" providerId="LiveId" clId="{ED61DCA1-FADB-4A0C-9775-F8BC733857A2}" dt="2023-04-20T16:38:35.993" v="242" actId="26606"/>
+          <ac:spMkLst>
+            <pc:docMk/>
+            <pc:sldMk cId="29543248" sldId="264"/>
+            <ac:spMk id="26" creationId="{FE74E104-78A8-4DFA-9782-03C75DE1BF02}"/>
+          </ac:spMkLst>
+        </pc:spChg>
+        <pc:spChg chg="add">
+          <ac:chgData name="Samuel Gonzalez" userId="14b959e4d93e70df" providerId="LiveId" clId="{ED61DCA1-FADB-4A0C-9775-F8BC733857A2}" dt="2023-04-20T16:38:35.993" v="242" actId="26606"/>
+          <ac:spMkLst>
+            <pc:docMk/>
+            <pc:sldMk cId="29543248" sldId="264"/>
+            <ac:spMk id="28" creationId="{1747BCEA-D77E-4BD6-8954-C64996AB739A}"/>
+          </ac:spMkLst>
+        </pc:spChg>
+        <pc:spChg chg="add">
+          <ac:chgData name="Samuel Gonzalez" userId="14b959e4d93e70df" providerId="LiveId" clId="{ED61DCA1-FADB-4A0C-9775-F8BC733857A2}" dt="2023-04-20T16:38:35.993" v="242" actId="26606"/>
+          <ac:spMkLst>
+            <pc:docMk/>
+            <pc:sldMk cId="29543248" sldId="264"/>
+            <ac:spMk id="30" creationId="{76D563F6-B8F0-406F-A032-1E478CA25158}"/>
+          </ac:spMkLst>
+        </pc:spChg>
+        <pc:picChg chg="add mod ord">
+          <ac:chgData name="Samuel Gonzalez" userId="14b959e4d93e70df" providerId="LiveId" clId="{ED61DCA1-FADB-4A0C-9775-F8BC733857A2}" dt="2023-04-20T16:38:40.166" v="243" actId="27614"/>
+          <ac:picMkLst>
+            <pc:docMk/>
+            <pc:sldMk cId="29543248" sldId="264"/>
+            <ac:picMk id="5" creationId="{B0E8D439-AC09-ACE1-E0F0-B095E09C3A8F}"/>
+          </ac:picMkLst>
+        </pc:picChg>
+        <pc:picChg chg="add del mod">
+          <ac:chgData name="Samuel Gonzalez" userId="14b959e4d93e70df" providerId="LiveId" clId="{ED61DCA1-FADB-4A0C-9775-F8BC733857A2}" dt="2023-04-20T16:37:42.766" v="163" actId="21"/>
+          <ac:picMkLst>
+            <pc:docMk/>
+            <pc:sldMk cId="29543248" sldId="264"/>
+            <ac:picMk id="6" creationId="{11E4C81B-598F-F449-669E-2612F7B0E784}"/>
+          </ac:picMkLst>
+        </pc:picChg>
+        <pc:cxnChg chg="add del">
+          <ac:chgData name="Samuel Gonzalez" userId="14b959e4d93e70df" providerId="LiveId" clId="{ED61DCA1-FADB-4A0C-9775-F8BC733857A2}" dt="2023-04-20T16:38:35.993" v="242" actId="26606"/>
+          <ac:cxnSpMkLst>
+            <pc:docMk/>
+            <pc:sldMk cId="29543248" sldId="264"/>
+            <ac:cxnSpMk id="13" creationId="{4C75A547-BCD1-42BE-966E-53CA0AB93165}"/>
+          </ac:cxnSpMkLst>
+        </pc:cxnChg>
+        <pc:cxnChg chg="add">
+          <ac:chgData name="Samuel Gonzalez" userId="14b959e4d93e70df" providerId="LiveId" clId="{ED61DCA1-FADB-4A0C-9775-F8BC733857A2}" dt="2023-04-20T16:38:35.993" v="242" actId="26606"/>
+          <ac:cxnSpMkLst>
+            <pc:docMk/>
+            <pc:sldMk cId="29543248" sldId="264"/>
+            <ac:cxnSpMk id="24" creationId="{4C75A547-BCD1-42BE-966E-53CA0AB93165}"/>
+          </ac:cxnSpMkLst>
+        </pc:cxnChg>
+      </pc:sldChg>
+      <pc:sldChg chg="addSp delSp modSp new mod">
+        <pc:chgData name="Samuel Gonzalez" userId="14b959e4d93e70df" providerId="LiveId" clId="{ED61DCA1-FADB-4A0C-9775-F8BC733857A2}" dt="2023-04-20T16:38:15.896" v="229" actId="1076"/>
+        <pc:sldMkLst>
+          <pc:docMk/>
+          <pc:sldMk cId="2366856980" sldId="265"/>
+        </pc:sldMkLst>
+        <pc:spChg chg="mod">
+          <ac:chgData name="Samuel Gonzalez" userId="14b959e4d93e70df" providerId="LiveId" clId="{ED61DCA1-FADB-4A0C-9775-F8BC733857A2}" dt="2023-04-20T16:38:11.094" v="227" actId="20577"/>
+          <ac:spMkLst>
+            <pc:docMk/>
+            <pc:sldMk cId="2366856980" sldId="265"/>
+            <ac:spMk id="2" creationId="{49EAD078-AC7E-6043-4013-5EDF3247E811}"/>
+          </ac:spMkLst>
+        </pc:spChg>
+        <pc:spChg chg="del">
+          <ac:chgData name="Samuel Gonzalez" userId="14b959e4d93e70df" providerId="LiveId" clId="{ED61DCA1-FADB-4A0C-9775-F8BC733857A2}" dt="2023-04-20T16:37:47.759" v="164" actId="478"/>
+          <ac:spMkLst>
+            <pc:docMk/>
+            <pc:sldMk cId="2366856980" sldId="265"/>
+            <ac:spMk id="3" creationId="{709D64ED-C65A-3505-CBC3-16B2265BD273}"/>
+          </ac:spMkLst>
+        </pc:spChg>
+        <pc:picChg chg="add mod">
+          <ac:chgData name="Samuel Gonzalez" userId="14b959e4d93e70df" providerId="LiveId" clId="{ED61DCA1-FADB-4A0C-9775-F8BC733857A2}" dt="2023-04-20T16:38:15.896" v="229" actId="1076"/>
+          <ac:picMkLst>
+            <pc:docMk/>
+            <pc:sldMk cId="2366856980" sldId="265"/>
+            <ac:picMk id="4" creationId="{0ECCF853-FCA7-1C5A-61DE-5703024B6E90}"/>
+          </ac:picMkLst>
+        </pc:picChg>
+      </pc:sldChg>
+      <pc:sldChg chg="addSp delSp modSp new mod setBg">
+        <pc:chgData name="Samuel Gonzalez" userId="14b959e4d93e70df" providerId="LiveId" clId="{ED61DCA1-FADB-4A0C-9775-F8BC733857A2}" dt="2023-04-20T18:47:04.376" v="306" actId="14100"/>
+        <pc:sldMkLst>
+          <pc:docMk/>
+          <pc:sldMk cId="3838669698" sldId="266"/>
+        </pc:sldMkLst>
+        <pc:spChg chg="del">
+          <ac:chgData name="Samuel Gonzalez" userId="14b959e4d93e70df" providerId="LiveId" clId="{ED61DCA1-FADB-4A0C-9775-F8BC733857A2}" dt="2023-04-20T16:38:47.539" v="245" actId="478"/>
+          <ac:spMkLst>
+            <pc:docMk/>
+            <pc:sldMk cId="3838669698" sldId="266"/>
+            <ac:spMk id="2" creationId="{F320DABF-2929-91D9-6BC0-E4E916BACF55}"/>
+          </ac:spMkLst>
+        </pc:spChg>
+        <pc:spChg chg="del">
+          <ac:chgData name="Samuel Gonzalez" userId="14b959e4d93e70df" providerId="LiveId" clId="{ED61DCA1-FADB-4A0C-9775-F8BC733857A2}" dt="2023-04-20T16:38:49.888" v="246" actId="478"/>
+          <ac:spMkLst>
+            <pc:docMk/>
+            <pc:sldMk cId="3838669698" sldId="266"/>
+            <ac:spMk id="3" creationId="{106A0022-4396-8F4A-3046-E18091477B50}"/>
+          </ac:spMkLst>
+        </pc:spChg>
+        <pc:spChg chg="add del">
+          <ac:chgData name="Samuel Gonzalez" userId="14b959e4d93e70df" providerId="LiveId" clId="{ED61DCA1-FADB-4A0C-9775-F8BC733857A2}" dt="2023-04-20T16:39:55.786" v="249" actId="26606"/>
+          <ac:spMkLst>
+            <pc:docMk/>
+            <pc:sldMk cId="3838669698" sldId="266"/>
+            <ac:spMk id="10" creationId="{FD57F13B-6973-4CE9-92F3-5EC476ED97B5}"/>
+          </ac:spMkLst>
+        </pc:spChg>
+        <pc:picChg chg="add mod">
+          <ac:chgData name="Samuel Gonzalez" userId="14b959e4d93e70df" providerId="LiveId" clId="{ED61DCA1-FADB-4A0C-9775-F8BC733857A2}" dt="2023-04-20T18:47:04.376" v="306" actId="14100"/>
+          <ac:picMkLst>
+            <pc:docMk/>
+            <pc:sldMk cId="3838669698" sldId="266"/>
+            <ac:picMk id="3" creationId="{C3EA1F00-2954-3CC3-9E2F-AF131E86A907}"/>
+          </ac:picMkLst>
+        </pc:picChg>
+        <pc:picChg chg="add del mod">
+          <ac:chgData name="Samuel Gonzalez" userId="14b959e4d93e70df" providerId="LiveId" clId="{ED61DCA1-FADB-4A0C-9775-F8BC733857A2}" dt="2023-04-20T18:46:56.764" v="302" actId="478"/>
+          <ac:picMkLst>
+            <pc:docMk/>
+            <pc:sldMk cId="3838669698" sldId="266"/>
+            <ac:picMk id="5" creationId="{580FF37B-CB42-4C2D-D74D-FEDF28C0C3F9}"/>
+          </ac:picMkLst>
+        </pc:picChg>
+        <pc:cxnChg chg="add del">
+          <ac:chgData name="Samuel Gonzalez" userId="14b959e4d93e70df" providerId="LiveId" clId="{ED61DCA1-FADB-4A0C-9775-F8BC733857A2}" dt="2023-04-20T16:39:55.786" v="249" actId="26606"/>
+          <ac:cxnSpMkLst>
+            <pc:docMk/>
+            <pc:sldMk cId="3838669698" sldId="266"/>
+            <ac:cxnSpMk id="12" creationId="{8EBABBB3-9834-451A-9C3E-59630549FC79}"/>
+          </ac:cxnSpMkLst>
+        </pc:cxnChg>
+      </pc:sldChg>
+      <pc:sldChg chg="addSp delSp modSp new mod">
+        <pc:chgData name="Samuel Gonzalez" userId="14b959e4d93e70df" providerId="LiveId" clId="{ED61DCA1-FADB-4A0C-9775-F8BC733857A2}" dt="2023-04-20T18:31:51.293" v="294" actId="1076"/>
+        <pc:sldMkLst>
+          <pc:docMk/>
+          <pc:sldMk cId="492187369" sldId="267"/>
+        </pc:sldMkLst>
+        <pc:spChg chg="del">
+          <ac:chgData name="Samuel Gonzalez" userId="14b959e4d93e70df" providerId="LiveId" clId="{ED61DCA1-FADB-4A0C-9775-F8BC733857A2}" dt="2023-04-20T18:31:04.912" v="263" actId="478"/>
+          <ac:spMkLst>
+            <pc:docMk/>
+            <pc:sldMk cId="492187369" sldId="267"/>
+            <ac:spMk id="2" creationId="{CC5B717E-EC3D-3C41-B007-DA711757E8A0}"/>
+          </ac:spMkLst>
+        </pc:spChg>
+        <pc:spChg chg="del">
+          <ac:chgData name="Samuel Gonzalez" userId="14b959e4d93e70df" providerId="LiveId" clId="{ED61DCA1-FADB-4A0C-9775-F8BC733857A2}" dt="2023-04-20T18:31:03.448" v="262" actId="478"/>
+          <ac:spMkLst>
+            <pc:docMk/>
+            <pc:sldMk cId="492187369" sldId="267"/>
+            <ac:spMk id="3" creationId="{190B33B1-FA15-B1F6-52B9-418451099D3F}"/>
+          </ac:spMkLst>
+        </pc:spChg>
+        <pc:spChg chg="add mod">
+          <ac:chgData name="Samuel Gonzalez" userId="14b959e4d93e70df" providerId="LiveId" clId="{ED61DCA1-FADB-4A0C-9775-F8BC733857A2}" dt="2023-04-20T18:31:45.348" v="291" actId="20577"/>
+          <ac:spMkLst>
+            <pc:docMk/>
+            <pc:sldMk cId="492187369" sldId="267"/>
+            <ac:spMk id="8" creationId="{807C08C9-6E3A-7A8E-E4AC-6AAFCE4DB53C}"/>
+          </ac:spMkLst>
+        </pc:spChg>
+        <pc:picChg chg="add mod">
+          <ac:chgData name="Samuel Gonzalez" userId="14b959e4d93e70df" providerId="LiveId" clId="{ED61DCA1-FADB-4A0C-9775-F8BC733857A2}" dt="2023-04-20T18:31:49.463" v="293" actId="1076"/>
+          <ac:picMkLst>
+            <pc:docMk/>
+            <pc:sldMk cId="492187369" sldId="267"/>
+            <ac:picMk id="5" creationId="{00362E77-66CA-C67E-05F2-037400898F95}"/>
+          </ac:picMkLst>
+        </pc:picChg>
+        <pc:picChg chg="add mod">
+          <ac:chgData name="Samuel Gonzalez" userId="14b959e4d93e70df" providerId="LiveId" clId="{ED61DCA1-FADB-4A0C-9775-F8BC733857A2}" dt="2023-04-20T18:31:51.293" v="294" actId="1076"/>
+          <ac:picMkLst>
+            <pc:docMk/>
+            <pc:sldMk cId="492187369" sldId="267"/>
+            <ac:picMk id="7" creationId="{32FCB43E-14C5-AC2E-E272-129787EF6896}"/>
+          </ac:picMkLst>
+        </pc:picChg>
       </pc:sldChg>
     </pc:docChg>
   </pc:docChgLst>
@@ -4934,8 +5197,8 @@
         </p:blipFill>
         <p:spPr>
           <a:xfrm>
-            <a:off x="6096000" y="1737246"/>
-            <a:ext cx="4952999" cy="879157"/>
+            <a:off x="3383510" y="1737246"/>
+            <a:ext cx="7665490" cy="1360624"/>
           </a:xfrm>
           <a:prstGeom prst="rect">
             <a:avLst/>
@@ -4985,17 +5248,8 @@
             </a:r>
             <a:r>
               <a:rPr lang="es-ES" dirty="0"/>
-              <a:t> y </a:t>
-            </a:r>
-            <a:r>
-              <a:rPr lang="es-ES" dirty="0" err="1"/>
-              <a:t>linealizatr</a:t>
-            </a:r>
-            <a:r>
-              <a:rPr lang="es-ES" dirty="0"/>
-              <a:t> el modelo que nos proporcionaron los profesores. Una vez habiendo hecho eso lo siguiente fue razonar los valores y respuestas para un bucle abierto.</a:t>
-            </a:r>
-            <a:endParaRPr lang="es-ES"/>
+              <a:t> y linealizar el modelo que nos proporcionaron. Una vez habiendo hecho eso lo siguiente fue razonar los valores y respuestas para un bucle abierto.</a:t>
+            </a:r>
           </a:p>
           <a:p>
             <a:pPr algn="r">
@@ -5007,7 +5261,6 @@
               <a:rPr lang="es-ES" dirty="0"/>
               <a:t>Estos fueron los resultados obtenidos:</a:t>
             </a:r>
-            <a:endParaRPr lang="es-ES"/>
           </a:p>
         </p:txBody>
       </p:sp>
@@ -5079,6 +5332,14 @@
 <file path=ppt/slides/slide3.xml><?xml version="1.0" encoding="utf-8"?>
 <p:sld xmlns:a="http://schemas.openxmlformats.org/drawingml/2006/main" xmlns:r="http://schemas.openxmlformats.org/officeDocument/2006/relationships" xmlns:p="http://schemas.openxmlformats.org/presentationml/2006/main">
   <p:cSld>
+    <p:bg>
+      <p:bgPr>
+        <a:solidFill>
+          <a:schemeClr val="bg1"/>
+        </a:solidFill>
+        <a:effectLst/>
+      </p:bgPr>
+    </p:bg>
     <p:spTree>
       <p:nvGrpSpPr>
         <p:cNvPr id="1" name=""/>
@@ -5093,12 +5354,758 @@
           <a:chExt cx="0" cy="0"/>
         </a:xfrm>
       </p:grpSpPr>
+      <p:sp>
+        <p:nvSpPr>
+          <p:cNvPr id="22" name="Freeform: Shape 21">
+            <a:extLst>
+              <a:ext uri="{FF2B5EF4-FFF2-40B4-BE49-F238E27FC236}">
+                <a16:creationId xmlns:a16="http://schemas.microsoft.com/office/drawing/2014/main" id="{5CD60141-EEBD-4EC1-8E34-0344C16A18A2}"/>
+              </a:ext>
+              <a:ext uri="{C183D7F6-B498-43B3-948B-1728B52AA6E4}">
+                <adec:decorative xmlns:adec="http://schemas.microsoft.com/office/drawing/2017/decorative" val="1"/>
+              </a:ext>
+            </a:extLst>
+          </p:cNvPr>
+          <p:cNvSpPr>
+            <a:spLocks noGrp="1" noRot="1" noChangeAspect="1" noMove="1" noResize="1" noEditPoints="1" noAdjustHandles="1" noChangeArrowheads="1" noChangeShapeType="1" noTextEdit="1"/>
+          </p:cNvSpPr>
+          <p:nvPr>
+            <p:extLst>
+              <p:ext uri="{386F3935-93C4-4BCD-93E2-E3B085C9AB24}">
+                <p16:designElem xmlns:p16="http://schemas.microsoft.com/office/powerpoint/2015/main" val="1"/>
+              </p:ext>
+            </p:extLst>
+          </p:nvPr>
+        </p:nvSpPr>
+        <p:spPr>
+          <a:xfrm>
+            <a:off x="5318308" y="0"/>
+            <a:ext cx="6873692" cy="6858000"/>
+          </a:xfrm>
+          <a:custGeom>
+            <a:avLst/>
+            <a:gdLst/>
+            <a:ahLst/>
+            <a:cxnLst/>
+            <a:rect l="l" t="t" r="r" b="b"/>
+            <a:pathLst>
+              <a:path w="6873692" h="6858000">
+                <a:moveTo>
+                  <a:pt x="6010592" y="0"/>
+                </a:moveTo>
+                <a:lnTo>
+                  <a:pt x="6873692" y="0"/>
+                </a:lnTo>
+                <a:lnTo>
+                  <a:pt x="6873692" y="6858000"/>
+                </a:lnTo>
+                <a:lnTo>
+                  <a:pt x="0" y="6858000"/>
+                </a:lnTo>
+                <a:lnTo>
+                  <a:pt x="6010589" y="4"/>
+                </a:lnTo>
+                <a:cubicBezTo>
+                  <a:pt x="6010589" y="3"/>
+                  <a:pt x="6010590" y="3"/>
+                  <a:pt x="6010590" y="2"/>
+                </a:cubicBezTo>
+                <a:lnTo>
+                  <a:pt x="6010592" y="0"/>
+                </a:lnTo>
+                <a:close/>
+              </a:path>
+            </a:pathLst>
+          </a:custGeom>
+          <a:solidFill>
+            <a:schemeClr val="bg2"/>
+          </a:solidFill>
+          <a:ln w="12700" cap="flat" cmpd="sng" algn="ctr">
+            <a:noFill/>
+            <a:prstDash val="solid"/>
+            <a:miter lim="800000"/>
+          </a:ln>
+          <a:effectLst/>
+        </p:spPr>
+        <p:style>
+          <a:lnRef idx="2">
+            <a:schemeClr val="accent1">
+              <a:shade val="50000"/>
+            </a:schemeClr>
+          </a:lnRef>
+          <a:fillRef idx="1">
+            <a:schemeClr val="accent1"/>
+          </a:fillRef>
+          <a:effectRef idx="0">
+            <a:schemeClr val="accent1"/>
+          </a:effectRef>
+          <a:fontRef idx="minor">
+            <a:schemeClr val="lt1"/>
+          </a:fontRef>
+        </p:style>
+        <p:txBody>
+          <a:bodyPr wrap="square" rtlCol="0" anchor="ctr">
+            <a:noAutofit/>
+          </a:bodyPr>
+          <a:lstStyle/>
+          <a:p>
+            <a:pPr algn="ctr"/>
+            <a:endParaRPr lang="en-US"/>
+          </a:p>
+        </p:txBody>
+      </p:sp>
+      <p:cxnSp>
+        <p:nvCxnSpPr>
+          <p:cNvPr id="24" name="Straight Connector 23">
+            <a:extLst>
+              <a:ext uri="{FF2B5EF4-FFF2-40B4-BE49-F238E27FC236}">
+                <a16:creationId xmlns:a16="http://schemas.microsoft.com/office/drawing/2014/main" id="{4C75A547-BCD1-42BE-966E-53CA0AB93165}"/>
+              </a:ext>
+              <a:ext uri="{C183D7F6-B498-43B3-948B-1728B52AA6E4}">
+                <adec:decorative xmlns:adec="http://schemas.microsoft.com/office/drawing/2017/decorative" val="1"/>
+              </a:ext>
+            </a:extLst>
+          </p:cNvPr>
+          <p:cNvCxnSpPr>
+            <a:cxnSpLocks noGrp="1" noRot="1" noChangeAspect="1" noMove="1" noResize="1" noEditPoints="1" noAdjustHandles="1" noChangeArrowheads="1" noChangeShapeType="1"/>
+          </p:cNvCxnSpPr>
+          <p:nvPr>
+            <p:extLst>
+              <p:ext uri="{386F3935-93C4-4BCD-93E2-E3B085C9AB24}">
+                <p16:designElem xmlns:p16="http://schemas.microsoft.com/office/powerpoint/2015/main" val="1"/>
+              </p:ext>
+            </p:extLst>
+          </p:nvPr>
+        </p:nvCxnSpPr>
+        <p:spPr>
+          <a:xfrm>
+            <a:off x="1188357" y="5151666"/>
+            <a:ext cx="9822543" cy="0"/>
+          </a:xfrm>
+          <a:prstGeom prst="line">
+            <a:avLst/>
+          </a:prstGeom>
+          <a:ln w="12700">
+            <a:solidFill>
+              <a:schemeClr val="tx1"/>
+            </a:solidFill>
+          </a:ln>
+        </p:spPr>
+        <p:style>
+          <a:lnRef idx="1">
+            <a:schemeClr val="accent1"/>
+          </a:lnRef>
+          <a:fillRef idx="0">
+            <a:schemeClr val="accent1"/>
+          </a:fillRef>
+          <a:effectRef idx="0">
+            <a:schemeClr val="accent1"/>
+          </a:effectRef>
+          <a:fontRef idx="minor">
+            <a:schemeClr val="tx1"/>
+          </a:fontRef>
+        </p:style>
+      </p:cxnSp>
+      <p:sp useBgFill="1">
+        <p:nvSpPr>
+          <p:cNvPr id="26" name="Rectangle 25">
+            <a:extLst>
+              <a:ext uri="{FF2B5EF4-FFF2-40B4-BE49-F238E27FC236}">
+                <a16:creationId xmlns:a16="http://schemas.microsoft.com/office/drawing/2014/main" id="{FE74E104-78A8-4DFA-9782-03C75DE1BF02}"/>
+              </a:ext>
+              <a:ext uri="{C183D7F6-B498-43B3-948B-1728B52AA6E4}">
+                <adec:decorative xmlns:adec="http://schemas.microsoft.com/office/drawing/2017/decorative" val="1"/>
+              </a:ext>
+            </a:extLst>
+          </p:cNvPr>
+          <p:cNvSpPr>
+            <a:spLocks noGrp="1" noRot="1" noChangeAspect="1" noMove="1" noResize="1" noEditPoints="1" noAdjustHandles="1" noChangeArrowheads="1" noChangeShapeType="1" noTextEdit="1"/>
+          </p:cNvSpPr>
+          <p:nvPr>
+            <p:extLst>
+              <p:ext uri="{386F3935-93C4-4BCD-93E2-E3B085C9AB24}">
+                <p16:designElem xmlns:p16="http://schemas.microsoft.com/office/powerpoint/2015/main" val="1"/>
+              </p:ext>
+            </p:extLst>
+          </p:nvPr>
+        </p:nvSpPr>
+        <p:spPr>
+          <a:xfrm>
+            <a:off x="0" y="0"/>
+            <a:ext cx="12192000" cy="6858000"/>
+          </a:xfrm>
+          <a:prstGeom prst="rect">
+            <a:avLst/>
+          </a:prstGeom>
+          <a:ln w="12700" cap="flat" cmpd="sng" algn="ctr">
+            <a:noFill/>
+            <a:prstDash val="solid"/>
+            <a:miter lim="800000"/>
+          </a:ln>
+          <a:effectLst/>
+          <a:extLst>
+            <a:ext uri="{91240B29-F687-4F45-9708-019B960494DF}">
+              <a14:hiddenLine xmlns:a14="http://schemas.microsoft.com/office/drawing/2010/main" w="12700" cap="flat" cmpd="sng" algn="ctr">
+                <a:solidFill>
+                  <a:schemeClr val="accent1">
+                    <a:shade val="50000"/>
+                  </a:schemeClr>
+                </a:solidFill>
+                <a:prstDash val="solid"/>
+                <a:miter lim="800000"/>
+              </a14:hiddenLine>
+            </a:ext>
+          </a:extLst>
+        </p:spPr>
+        <p:style>
+          <a:lnRef idx="2">
+            <a:schemeClr val="accent1">
+              <a:shade val="50000"/>
+            </a:schemeClr>
+          </a:lnRef>
+          <a:fillRef idx="1">
+            <a:schemeClr val="accent1"/>
+          </a:fillRef>
+          <a:effectRef idx="0">
+            <a:schemeClr val="accent1"/>
+          </a:effectRef>
+          <a:fontRef idx="minor">
+            <a:schemeClr val="lt1"/>
+          </a:fontRef>
+        </p:style>
+        <p:txBody>
+          <a:bodyPr rtlCol="0" anchor="ctr"/>
+          <a:lstStyle/>
+          <a:p>
+            <a:pPr algn="ctr"/>
+            <a:endParaRPr lang="en-US"/>
+          </a:p>
+        </p:txBody>
+      </p:sp>
+      <p:sp>
+        <p:nvSpPr>
+          <p:cNvPr id="28" name="Freeform: Shape 27">
+            <a:extLst>
+              <a:ext uri="{FF2B5EF4-FFF2-40B4-BE49-F238E27FC236}">
+                <a16:creationId xmlns:a16="http://schemas.microsoft.com/office/drawing/2014/main" id="{1747BCEA-D77E-4BD6-8954-C64996AB739A}"/>
+              </a:ext>
+              <a:ext uri="{C183D7F6-B498-43B3-948B-1728B52AA6E4}">
+                <adec:decorative xmlns:adec="http://schemas.microsoft.com/office/drawing/2017/decorative" val="1"/>
+              </a:ext>
+            </a:extLst>
+          </p:cNvPr>
+          <p:cNvSpPr>
+            <a:spLocks noGrp="1" noRot="1" noChangeAspect="1" noMove="1" noResize="1" noEditPoints="1" noAdjustHandles="1" noChangeArrowheads="1" noChangeShapeType="1" noTextEdit="1"/>
+          </p:cNvSpPr>
+          <p:nvPr>
+            <p:extLst>
+              <p:ext uri="{386F3935-93C4-4BCD-93E2-E3B085C9AB24}">
+                <p16:designElem xmlns:p16="http://schemas.microsoft.com/office/powerpoint/2015/main" val="1"/>
+              </p:ext>
+            </p:extLst>
+          </p:nvPr>
+        </p:nvSpPr>
+        <p:spPr>
+          <a:xfrm rot="16200000" flipH="1" flipV="1">
+            <a:off x="1127553" y="-1127553"/>
+            <a:ext cx="6858000" cy="9113106"/>
+          </a:xfrm>
+          <a:custGeom>
+            <a:avLst/>
+            <a:gdLst>
+              <a:gd name="connsiteX0" fmla="*/ 0 w 6858000"/>
+              <a:gd name="connsiteY0" fmla="*/ 7143270 h 9113106"/>
+              <a:gd name="connsiteX1" fmla="*/ 0 w 6858000"/>
+              <a:gd name="connsiteY1" fmla="*/ 6878623 h 9113106"/>
+              <a:gd name="connsiteX2" fmla="*/ 1 w 6858000"/>
+              <a:gd name="connsiteY2" fmla="*/ 6878623 h 9113106"/>
+              <a:gd name="connsiteX3" fmla="*/ 0 w 6858000"/>
+              <a:gd name="connsiteY3" fmla="*/ 4319945 h 9113106"/>
+              <a:gd name="connsiteX4" fmla="*/ 1 w 6858000"/>
+              <a:gd name="connsiteY4" fmla="*/ 4319945 h 9113106"/>
+              <a:gd name="connsiteX5" fmla="*/ 1 w 6858000"/>
+              <a:gd name="connsiteY5" fmla="*/ 13542 h 9113106"/>
+              <a:gd name="connsiteX6" fmla="*/ 0 w 6858000"/>
+              <a:gd name="connsiteY6" fmla="*/ 13540 h 9113106"/>
+              <a:gd name="connsiteX7" fmla="*/ 0 w 6858000"/>
+              <a:gd name="connsiteY7" fmla="*/ 0 h 9113106"/>
+              <a:gd name="connsiteX8" fmla="*/ 6858000 w 6858000"/>
+              <a:gd name="connsiteY8" fmla="*/ 6010591 h 9113106"/>
+              <a:gd name="connsiteX9" fmla="*/ 6858000 w 6858000"/>
+              <a:gd name="connsiteY9" fmla="*/ 3794798 h 9113106"/>
+              <a:gd name="connsiteX10" fmla="*/ 6858000 w 6858000"/>
+              <a:gd name="connsiteY10" fmla="*/ 3794798 h 9113106"/>
+              <a:gd name="connsiteX11" fmla="*/ 6858000 w 6858000"/>
+              <a:gd name="connsiteY11" fmla="*/ 3837120 h 9113106"/>
+              <a:gd name="connsiteX12" fmla="*/ 6858000 w 6858000"/>
+              <a:gd name="connsiteY12" fmla="*/ 6838049 h 9113106"/>
+              <a:gd name="connsiteX13" fmla="*/ 6858000 w 6858000"/>
+              <a:gd name="connsiteY13" fmla="*/ 9113106 h 9113106"/>
+              <a:gd name="connsiteX14" fmla="*/ 1 w 6858000"/>
+              <a:gd name="connsiteY14" fmla="*/ 9113106 h 9113106"/>
+              <a:gd name="connsiteX15" fmla="*/ 1 w 6858000"/>
+              <a:gd name="connsiteY15" fmla="*/ 7143270 h 9113106"/>
+            </a:gdLst>
+            <a:ahLst/>
+            <a:cxnLst>
+              <a:cxn ang="0">
+                <a:pos x="connsiteX0" y="connsiteY0"/>
+              </a:cxn>
+              <a:cxn ang="0">
+                <a:pos x="connsiteX1" y="connsiteY1"/>
+              </a:cxn>
+              <a:cxn ang="0">
+                <a:pos x="connsiteX2" y="connsiteY2"/>
+              </a:cxn>
+              <a:cxn ang="0">
+                <a:pos x="connsiteX3" y="connsiteY3"/>
+              </a:cxn>
+              <a:cxn ang="0">
+                <a:pos x="connsiteX4" y="connsiteY4"/>
+              </a:cxn>
+              <a:cxn ang="0">
+                <a:pos x="connsiteX5" y="connsiteY5"/>
+              </a:cxn>
+              <a:cxn ang="0">
+                <a:pos x="connsiteX6" y="connsiteY6"/>
+              </a:cxn>
+              <a:cxn ang="0">
+                <a:pos x="connsiteX7" y="connsiteY7"/>
+              </a:cxn>
+              <a:cxn ang="0">
+                <a:pos x="connsiteX8" y="connsiteY8"/>
+              </a:cxn>
+              <a:cxn ang="0">
+                <a:pos x="connsiteX9" y="connsiteY9"/>
+              </a:cxn>
+              <a:cxn ang="0">
+                <a:pos x="connsiteX10" y="connsiteY10"/>
+              </a:cxn>
+              <a:cxn ang="0">
+                <a:pos x="connsiteX11" y="connsiteY11"/>
+              </a:cxn>
+              <a:cxn ang="0">
+                <a:pos x="connsiteX12" y="connsiteY12"/>
+              </a:cxn>
+              <a:cxn ang="0">
+                <a:pos x="connsiteX13" y="connsiteY13"/>
+              </a:cxn>
+              <a:cxn ang="0">
+                <a:pos x="connsiteX14" y="connsiteY14"/>
+              </a:cxn>
+              <a:cxn ang="0">
+                <a:pos x="connsiteX15" y="connsiteY15"/>
+              </a:cxn>
+            </a:cxnLst>
+            <a:rect l="l" t="t" r="r" b="b"/>
+            <a:pathLst>
+              <a:path w="6858000" h="9113106">
+                <a:moveTo>
+                  <a:pt x="0" y="7143270"/>
+                </a:moveTo>
+                <a:lnTo>
+                  <a:pt x="0" y="6878623"/>
+                </a:lnTo>
+                <a:lnTo>
+                  <a:pt x="1" y="6878623"/>
+                </a:lnTo>
+                <a:lnTo>
+                  <a:pt x="0" y="4319945"/>
+                </a:lnTo>
+                <a:lnTo>
+                  <a:pt x="1" y="4319945"/>
+                </a:lnTo>
+                <a:lnTo>
+                  <a:pt x="1" y="13542"/>
+                </a:lnTo>
+                <a:lnTo>
+                  <a:pt x="0" y="13540"/>
+                </a:lnTo>
+                <a:lnTo>
+                  <a:pt x="0" y="0"/>
+                </a:lnTo>
+                <a:lnTo>
+                  <a:pt x="6858000" y="6010591"/>
+                </a:lnTo>
+                <a:lnTo>
+                  <a:pt x="6858000" y="3794798"/>
+                </a:lnTo>
+                <a:lnTo>
+                  <a:pt x="6858000" y="3794798"/>
+                </a:lnTo>
+                <a:lnTo>
+                  <a:pt x="6858000" y="3837120"/>
+                </a:lnTo>
+                <a:lnTo>
+                  <a:pt x="6858000" y="6838049"/>
+                </a:lnTo>
+                <a:lnTo>
+                  <a:pt x="6858000" y="9113106"/>
+                </a:lnTo>
+                <a:lnTo>
+                  <a:pt x="1" y="9113106"/>
+                </a:lnTo>
+                <a:lnTo>
+                  <a:pt x="1" y="7143270"/>
+                </a:lnTo>
+                <a:close/>
+              </a:path>
+            </a:pathLst>
+          </a:custGeom>
+          <a:solidFill>
+            <a:schemeClr val="bg2"/>
+          </a:solidFill>
+          <a:ln>
+            <a:noFill/>
+          </a:ln>
+        </p:spPr>
+        <p:style>
+          <a:lnRef idx="2">
+            <a:schemeClr val="accent1">
+              <a:shade val="50000"/>
+            </a:schemeClr>
+          </a:lnRef>
+          <a:fillRef idx="1">
+            <a:schemeClr val="accent1"/>
+          </a:fillRef>
+          <a:effectRef idx="0">
+            <a:schemeClr val="accent1"/>
+          </a:effectRef>
+          <a:fontRef idx="minor">
+            <a:schemeClr val="lt1"/>
+          </a:fontRef>
+        </p:style>
+        <p:txBody>
+          <a:bodyPr wrap="square" rtlCol="0" anchor="ctr">
+            <a:noAutofit/>
+          </a:bodyPr>
+          <a:lstStyle/>
+          <a:p>
+            <a:pPr algn="ctr"/>
+            <a:endParaRPr lang="en-US"/>
+          </a:p>
+        </p:txBody>
+      </p:sp>
+      <p:sp>
+        <p:nvSpPr>
+          <p:cNvPr id="30" name="Freeform: Shape 29">
+            <a:extLst>
+              <a:ext uri="{FF2B5EF4-FFF2-40B4-BE49-F238E27FC236}">
+                <a16:creationId xmlns:a16="http://schemas.microsoft.com/office/drawing/2014/main" id="{76D563F6-B8F0-406F-A032-1E478CA25158}"/>
+              </a:ext>
+              <a:ext uri="{C183D7F6-B498-43B3-948B-1728B52AA6E4}">
+                <adec:decorative xmlns:adec="http://schemas.microsoft.com/office/drawing/2017/decorative" val="1"/>
+              </a:ext>
+            </a:extLst>
+          </p:cNvPr>
+          <p:cNvSpPr>
+            <a:spLocks noGrp="1" noRot="1" noChangeAspect="1" noMove="1" noResize="1" noEditPoints="1" noAdjustHandles="1" noChangeArrowheads="1" noChangeShapeType="1" noTextEdit="1"/>
+          </p:cNvSpPr>
+          <p:nvPr>
+            <p:extLst>
+              <p:ext uri="{386F3935-93C4-4BCD-93E2-E3B085C9AB24}">
+                <p16:designElem xmlns:p16="http://schemas.microsoft.com/office/powerpoint/2015/main" val="1"/>
+              </p:ext>
+            </p:extLst>
+          </p:nvPr>
+        </p:nvSpPr>
+        <p:spPr>
+          <a:xfrm>
+            <a:off x="2234482" y="-2"/>
+            <a:ext cx="9957519" cy="6858002"/>
+          </a:xfrm>
+          <a:custGeom>
+            <a:avLst/>
+            <a:gdLst>
+              <a:gd name="connsiteX0" fmla="*/ 6878624 w 9957519"/>
+              <a:gd name="connsiteY0" fmla="*/ 0 h 6858000"/>
+              <a:gd name="connsiteX1" fmla="*/ 9957519 w 9957519"/>
+              <a:gd name="connsiteY1" fmla="*/ 0 h 6858000"/>
+              <a:gd name="connsiteX2" fmla="*/ 9957519 w 9957519"/>
+              <a:gd name="connsiteY2" fmla="*/ 1557082 h 6858000"/>
+              <a:gd name="connsiteX3" fmla="*/ 9957518 w 9957519"/>
+              <a:gd name="connsiteY3" fmla="*/ 1557083 h 6858000"/>
+              <a:gd name="connsiteX4" fmla="*/ 9957518 w 9957519"/>
+              <a:gd name="connsiteY4" fmla="*/ 6858000 h 6858000"/>
+              <a:gd name="connsiteX5" fmla="*/ 8318421 w 9957519"/>
+              <a:gd name="connsiteY5" fmla="*/ 6858000 h 6858000"/>
+              <a:gd name="connsiteX6" fmla="*/ 6213394 w 9957519"/>
+              <a:gd name="connsiteY6" fmla="*/ 6858000 h 6858000"/>
+              <a:gd name="connsiteX7" fmla="*/ 5311608 w 9957519"/>
+              <a:gd name="connsiteY7" fmla="*/ 6858000 h 6858000"/>
+              <a:gd name="connsiteX8" fmla="*/ 4574297 w 9957519"/>
+              <a:gd name="connsiteY8" fmla="*/ 6858000 h 6858000"/>
+              <a:gd name="connsiteX9" fmla="*/ 868032 w 9957519"/>
+              <a:gd name="connsiteY9" fmla="*/ 6858000 h 6858000"/>
+              <a:gd name="connsiteX10" fmla="*/ 0 w 9957519"/>
+              <a:gd name="connsiteY10" fmla="*/ 0 h 6858000"/>
+              <a:gd name="connsiteX11" fmla="*/ 6878624 w 9957519"/>
+              <a:gd name="connsiteY11" fmla="*/ 0 h 6858000"/>
+              <a:gd name="connsiteX12" fmla="*/ 0 w 9957519"/>
+              <a:gd name="connsiteY12" fmla="*/ 1 h 6858000"/>
+            </a:gdLst>
+            <a:ahLst/>
+            <a:cxnLst>
+              <a:cxn ang="0">
+                <a:pos x="connsiteX0" y="connsiteY0"/>
+              </a:cxn>
+              <a:cxn ang="0">
+                <a:pos x="connsiteX1" y="connsiteY1"/>
+              </a:cxn>
+              <a:cxn ang="0">
+                <a:pos x="connsiteX2" y="connsiteY2"/>
+              </a:cxn>
+              <a:cxn ang="0">
+                <a:pos x="connsiteX3" y="connsiteY3"/>
+              </a:cxn>
+              <a:cxn ang="0">
+                <a:pos x="connsiteX4" y="connsiteY4"/>
+              </a:cxn>
+              <a:cxn ang="0">
+                <a:pos x="connsiteX5" y="connsiteY5"/>
+              </a:cxn>
+              <a:cxn ang="0">
+                <a:pos x="connsiteX6" y="connsiteY6"/>
+              </a:cxn>
+              <a:cxn ang="0">
+                <a:pos x="connsiteX7" y="connsiteY7"/>
+              </a:cxn>
+              <a:cxn ang="0">
+                <a:pos x="connsiteX8" y="connsiteY8"/>
+              </a:cxn>
+              <a:cxn ang="0">
+                <a:pos x="connsiteX9" y="connsiteY9"/>
+              </a:cxn>
+              <a:cxn ang="0">
+                <a:pos x="connsiteX10" y="connsiteY10"/>
+              </a:cxn>
+              <a:cxn ang="0">
+                <a:pos x="connsiteX11" y="connsiteY11"/>
+              </a:cxn>
+              <a:cxn ang="0">
+                <a:pos x="connsiteX12" y="connsiteY12"/>
+              </a:cxn>
+            </a:cxnLst>
+            <a:rect l="l" t="t" r="r" b="b"/>
+            <a:pathLst>
+              <a:path w="9957519" h="6858000">
+                <a:moveTo>
+                  <a:pt x="6878624" y="0"/>
+                </a:moveTo>
+                <a:lnTo>
+                  <a:pt x="9957519" y="0"/>
+                </a:lnTo>
+                <a:lnTo>
+                  <a:pt x="9957519" y="1557082"/>
+                </a:lnTo>
+                <a:lnTo>
+                  <a:pt x="9957518" y="1557083"/>
+                </a:lnTo>
+                <a:lnTo>
+                  <a:pt x="9957518" y="6858000"/>
+                </a:lnTo>
+                <a:lnTo>
+                  <a:pt x="8318421" y="6858000"/>
+                </a:lnTo>
+                <a:lnTo>
+                  <a:pt x="6213394" y="6858000"/>
+                </a:lnTo>
+                <a:lnTo>
+                  <a:pt x="5311608" y="6858000"/>
+                </a:lnTo>
+                <a:lnTo>
+                  <a:pt x="4574297" y="6858000"/>
+                </a:lnTo>
+                <a:lnTo>
+                  <a:pt x="868032" y="6858000"/>
+                </a:lnTo>
+                <a:close/>
+                <a:moveTo>
+                  <a:pt x="0" y="0"/>
+                </a:moveTo>
+                <a:lnTo>
+                  <a:pt x="6878624" y="0"/>
+                </a:lnTo>
+                <a:lnTo>
+                  <a:pt x="0" y="1"/>
+                </a:lnTo>
+                <a:close/>
+              </a:path>
+            </a:pathLst>
+          </a:custGeom>
+          <a:solidFill>
+            <a:srgbClr val="FFFFFF"/>
+          </a:solidFill>
+          <a:ln w="12700" cap="flat" cmpd="sng" algn="ctr">
+            <a:noFill/>
+            <a:prstDash val="solid"/>
+            <a:miter lim="800000"/>
+          </a:ln>
+          <a:effectLst/>
+        </p:spPr>
+        <p:style>
+          <a:lnRef idx="2">
+            <a:schemeClr val="accent1">
+              <a:shade val="50000"/>
+            </a:schemeClr>
+          </a:lnRef>
+          <a:fillRef idx="1">
+            <a:schemeClr val="accent1"/>
+          </a:fillRef>
+          <a:effectRef idx="0">
+            <a:schemeClr val="accent1"/>
+          </a:effectRef>
+          <a:fontRef idx="minor">
+            <a:schemeClr val="lt1"/>
+          </a:fontRef>
+        </p:style>
+        <p:txBody>
+          <a:bodyPr wrap="square" rtlCol="0" anchor="ctr">
+            <a:noAutofit/>
+          </a:bodyPr>
+          <a:lstStyle/>
+          <a:p>
+            <a:pPr algn="ctr"/>
+            <a:endParaRPr lang="en-US"/>
+          </a:p>
+        </p:txBody>
+      </p:sp>
+      <p:sp>
+        <p:nvSpPr>
+          <p:cNvPr id="2" name="Título 1">
+            <a:extLst>
+              <a:ext uri="{FF2B5EF4-FFF2-40B4-BE49-F238E27FC236}">
+                <a16:creationId xmlns:a16="http://schemas.microsoft.com/office/drawing/2014/main" id="{850E4620-2C50-3879-9086-B18EDB8FB998}"/>
+              </a:ext>
+            </a:extLst>
+          </p:cNvPr>
+          <p:cNvSpPr>
+            <a:spLocks noGrp="1"/>
+          </p:cNvSpPr>
+          <p:nvPr>
+            <p:ph type="title"/>
+          </p:nvPr>
+        </p:nvSpPr>
+        <p:spPr>
+          <a:xfrm>
+            <a:off x="1143000" y="1181098"/>
+            <a:ext cx="4953000" cy="2713170"/>
+          </a:xfrm>
+        </p:spPr>
+        <p:txBody>
+          <a:bodyPr vert="horz" lIns="91440" tIns="45720" rIns="91440" bIns="45720" rtlCol="0" anchor="t">
+            <a:normAutofit/>
+          </a:bodyPr>
+          <a:lstStyle/>
+          <a:p>
+            <a:r>
+              <a:rPr lang="en-US" sz="4800" cap="all" spc="300"/>
+              <a:t>Autovalores</a:t>
+            </a:r>
+            <a:br>
+              <a:rPr lang="en-US" sz="4800" cap="all" spc="300"/>
+            </a:br>
+            <a:endParaRPr lang="en-US" sz="4800" cap="all" spc="300"/>
+          </a:p>
+        </p:txBody>
+      </p:sp>
+      <p:pic>
+        <p:nvPicPr>
+          <p:cNvPr id="5" name="Marcador de contenido 4" descr="Texto&#10;&#10;Descripción generada automáticamente">
+            <a:extLst>
+              <a:ext uri="{FF2B5EF4-FFF2-40B4-BE49-F238E27FC236}">
+                <a16:creationId xmlns:a16="http://schemas.microsoft.com/office/drawing/2014/main" id="{B0E8D439-AC09-ACE1-E0F0-B095E09C3A8F}"/>
+              </a:ext>
+            </a:extLst>
+          </p:cNvPr>
+          <p:cNvPicPr>
+            <a:picLocks noGrp="1" noChangeAspect="1"/>
+          </p:cNvPicPr>
+          <p:nvPr>
+            <p:ph idx="1"/>
+          </p:nvPr>
+        </p:nvPicPr>
+        <p:blipFill>
+          <a:blip r:embed="rId2"/>
+          <a:stretch>
+            <a:fillRect/>
+          </a:stretch>
+        </p:blipFill>
+        <p:spPr>
+          <a:xfrm>
+            <a:off x="7209011" y="2607526"/>
+            <a:ext cx="4339521" cy="3211737"/>
+          </a:xfrm>
+          <a:prstGeom prst="rect">
+            <a:avLst/>
+          </a:prstGeom>
+        </p:spPr>
+      </p:pic>
+    </p:spTree>
+    <p:extLst>
+      <p:ext uri="{BB962C8B-B14F-4D97-AF65-F5344CB8AC3E}">
+        <p14:creationId xmlns:p14="http://schemas.microsoft.com/office/powerpoint/2010/main" val="29543248"/>
+      </p:ext>
+    </p:extLst>
+  </p:cSld>
+  <p:clrMapOvr>
+    <a:masterClrMapping/>
+  </p:clrMapOvr>
+</p:sld>
+</file>
+
+<file path=ppt/slides/slide4.xml><?xml version="1.0" encoding="utf-8"?>
+<p:sld xmlns:a="http://schemas.openxmlformats.org/drawingml/2006/main" xmlns:r="http://schemas.openxmlformats.org/officeDocument/2006/relationships" xmlns:p="http://schemas.openxmlformats.org/presentationml/2006/main">
+  <p:cSld>
+    <p:spTree>
+      <p:nvGrpSpPr>
+        <p:cNvPr id="1" name=""/>
+        <p:cNvGrpSpPr/>
+        <p:nvPr/>
+      </p:nvGrpSpPr>
+      <p:grpSpPr>
+        <a:xfrm>
+          <a:off x="0" y="0"/>
+          <a:ext cx="0" cy="0"/>
+          <a:chOff x="0" y="0"/>
+          <a:chExt cx="0" cy="0"/>
+        </a:xfrm>
+      </p:grpSpPr>
+      <p:sp>
+        <p:nvSpPr>
+          <p:cNvPr id="2" name="Título 1">
+            <a:extLst>
+              <a:ext uri="{FF2B5EF4-FFF2-40B4-BE49-F238E27FC236}">
+                <a16:creationId xmlns:a16="http://schemas.microsoft.com/office/drawing/2014/main" id="{49EAD078-AC7E-6043-4013-5EDF3247E811}"/>
+              </a:ext>
+            </a:extLst>
+          </p:cNvPr>
+          <p:cNvSpPr>
+            <a:spLocks noGrp="1"/>
+          </p:cNvSpPr>
+          <p:nvPr>
+            <p:ph type="title"/>
+          </p:nvPr>
+        </p:nvSpPr>
+        <p:spPr/>
+        <p:txBody>
+          <a:bodyPr/>
+          <a:lstStyle/>
+          <a:p>
+            <a:r>
+              <a:rPr lang="es-ES" dirty="0"/>
+              <a:t>Comportamiento con perturbación inicial en el ángulo de asiento</a:t>
+            </a:r>
+            <a:endParaRPr lang="es-MX" dirty="0"/>
+          </a:p>
+        </p:txBody>
+      </p:sp>
       <p:pic>
         <p:nvPicPr>
           <p:cNvPr id="4" name="Imagen 3">
             <a:extLst>
               <a:ext uri="{FF2B5EF4-FFF2-40B4-BE49-F238E27FC236}">
-                <a16:creationId xmlns:a16="http://schemas.microsoft.com/office/drawing/2014/main" id="{3CD5F3BE-02F4-98AD-D538-F9580A08A93F}"/>
+                <a16:creationId xmlns:a16="http://schemas.microsoft.com/office/drawing/2014/main" id="{0ECCF853-FCA7-1C5A-61DE-5703024B6E90}"/>
               </a:ext>
             </a:extLst>
           </p:cNvPr>
@@ -5114,8 +6121,8 @@
         </p:blipFill>
         <p:spPr>
           <a:xfrm>
-            <a:off x="1139668" y="1600201"/>
-            <a:ext cx="9582565" cy="4506836"/>
+            <a:off x="1650394" y="2584258"/>
+            <a:ext cx="8443385" cy="3400807"/>
           </a:xfrm>
           <a:prstGeom prst="rect">
             <a:avLst/>
@@ -5125,7 +6132,7 @@
     </p:spTree>
     <p:extLst>
       <p:ext uri="{BB962C8B-B14F-4D97-AF65-F5344CB8AC3E}">
-        <p14:creationId xmlns:p14="http://schemas.microsoft.com/office/powerpoint/2010/main" val="425474658"/>
+        <p14:creationId xmlns:p14="http://schemas.microsoft.com/office/powerpoint/2010/main" val="2366856980"/>
       </p:ext>
     </p:extLst>
   </p:cSld>
@@ -5135,7 +6142,7 @@
 </p:sld>
 </file>
 
-<file path=ppt/slides/slide4.xml><?xml version="1.0" encoding="utf-8"?>
+<file path=ppt/slides/slide5.xml><?xml version="1.0" encoding="utf-8"?>
 <p:sld xmlns:a="http://schemas.openxmlformats.org/drawingml/2006/main" xmlns:r="http://schemas.openxmlformats.org/officeDocument/2006/relationships" xmlns:p="http://schemas.openxmlformats.org/presentationml/2006/main">
   <p:cSld>
     <p:spTree>
@@ -5228,7 +6235,7 @@
 </p:sld>
 </file>
 
-<file path=ppt/slides/slide5.xml><?xml version="1.0" encoding="utf-8"?>
+<file path=ppt/slides/slide6.xml><?xml version="1.0" encoding="utf-8"?>
 <p:sld xmlns:a="http://schemas.openxmlformats.org/drawingml/2006/main" xmlns:r="http://schemas.openxmlformats.org/officeDocument/2006/relationships" xmlns:p="http://schemas.openxmlformats.org/presentationml/2006/main">
   <p:cSld>
     <p:bg>
@@ -5609,7 +6616,193 @@
 </p:sld>
 </file>
 
-<file path=ppt/slides/slide6.xml><?xml version="1.0" encoding="utf-8"?>
+<file path=ppt/slides/slide7.xml><?xml version="1.0" encoding="utf-8"?>
+<p:sld xmlns:a="http://schemas.openxmlformats.org/drawingml/2006/main" xmlns:r="http://schemas.openxmlformats.org/officeDocument/2006/relationships" xmlns:p="http://schemas.openxmlformats.org/presentationml/2006/main">
+  <p:cSld>
+    <p:spTree>
+      <p:nvGrpSpPr>
+        <p:cNvPr id="1" name=""/>
+        <p:cNvGrpSpPr/>
+        <p:nvPr/>
+      </p:nvGrpSpPr>
+      <p:grpSpPr>
+        <a:xfrm>
+          <a:off x="0" y="0"/>
+          <a:ext cx="0" cy="0"/>
+          <a:chOff x="0" y="0"/>
+          <a:chExt cx="0" cy="0"/>
+        </a:xfrm>
+      </p:grpSpPr>
+      <p:pic>
+        <p:nvPicPr>
+          <p:cNvPr id="5" name="Imagen 4">
+            <a:extLst>
+              <a:ext uri="{FF2B5EF4-FFF2-40B4-BE49-F238E27FC236}">
+                <a16:creationId xmlns:a16="http://schemas.microsoft.com/office/drawing/2014/main" id="{00362E77-66CA-C67E-05F2-037400898F95}"/>
+              </a:ext>
+            </a:extLst>
+          </p:cNvPr>
+          <p:cNvPicPr>
+            <a:picLocks noChangeAspect="1"/>
+          </p:cNvPicPr>
+          <p:nvPr/>
+        </p:nvPicPr>
+        <p:blipFill>
+          <a:blip r:embed="rId2"/>
+          <a:stretch>
+            <a:fillRect/>
+          </a:stretch>
+        </p:blipFill>
+        <p:spPr>
+          <a:xfrm>
+            <a:off x="1305544" y="2948474"/>
+            <a:ext cx="3981493" cy="1809768"/>
+          </a:xfrm>
+          <a:prstGeom prst="rect">
+            <a:avLst/>
+          </a:prstGeom>
+        </p:spPr>
+      </p:pic>
+      <p:pic>
+        <p:nvPicPr>
+          <p:cNvPr id="7" name="Imagen 6">
+            <a:extLst>
+              <a:ext uri="{FF2B5EF4-FFF2-40B4-BE49-F238E27FC236}">
+                <a16:creationId xmlns:a16="http://schemas.microsoft.com/office/drawing/2014/main" id="{32FCB43E-14C5-AC2E-E272-129787EF6896}"/>
+              </a:ext>
+            </a:extLst>
+          </p:cNvPr>
+          <p:cNvPicPr>
+            <a:picLocks noChangeAspect="1"/>
+          </p:cNvPicPr>
+          <p:nvPr/>
+        </p:nvPicPr>
+        <p:blipFill>
+          <a:blip r:embed="rId3"/>
+          <a:stretch>
+            <a:fillRect/>
+          </a:stretch>
+        </p:blipFill>
+        <p:spPr>
+          <a:xfrm>
+            <a:off x="6356731" y="3077765"/>
+            <a:ext cx="2602365" cy="1830733"/>
+          </a:xfrm>
+          <a:prstGeom prst="rect">
+            <a:avLst/>
+          </a:prstGeom>
+        </p:spPr>
+      </p:pic>
+      <p:sp>
+        <p:nvSpPr>
+          <p:cNvPr id="8" name="Título 1">
+            <a:extLst>
+              <a:ext uri="{FF2B5EF4-FFF2-40B4-BE49-F238E27FC236}">
+                <a16:creationId xmlns:a16="http://schemas.microsoft.com/office/drawing/2014/main" id="{807C08C9-6E3A-7A8E-E4AC-6AAFCE4DB53C}"/>
+              </a:ext>
+            </a:extLst>
+          </p:cNvPr>
+          <p:cNvSpPr>
+            <a:spLocks noGrp="1"/>
+          </p:cNvSpPr>
+          <p:nvPr>
+            <p:ph type="title"/>
+          </p:nvPr>
+        </p:nvSpPr>
+        <p:spPr>
+          <a:xfrm>
+            <a:off x="1143001" y="872937"/>
+            <a:ext cx="5920740" cy="1360898"/>
+          </a:xfrm>
+        </p:spPr>
+        <p:txBody>
+          <a:bodyPr>
+            <a:normAutofit/>
+          </a:bodyPr>
+          <a:lstStyle/>
+          <a:p>
+            <a:r>
+              <a:rPr lang="es-ES" dirty="0"/>
+              <a:t>POLOS</a:t>
+            </a:r>
+            <a:endParaRPr lang="es-MX" dirty="0"/>
+          </a:p>
+        </p:txBody>
+      </p:sp>
+    </p:spTree>
+    <p:extLst>
+      <p:ext uri="{BB962C8B-B14F-4D97-AF65-F5344CB8AC3E}">
+        <p14:creationId xmlns:p14="http://schemas.microsoft.com/office/powerpoint/2010/main" val="492187369"/>
+      </p:ext>
+    </p:extLst>
+  </p:cSld>
+  <p:clrMapOvr>
+    <a:masterClrMapping/>
+  </p:clrMapOvr>
+</p:sld>
+</file>
+
+<file path=ppt/slides/slide8.xml><?xml version="1.0" encoding="utf-8"?>
+<p:sld xmlns:a="http://schemas.openxmlformats.org/drawingml/2006/main" xmlns:r="http://schemas.openxmlformats.org/officeDocument/2006/relationships" xmlns:p="http://schemas.openxmlformats.org/presentationml/2006/main">
+  <p:cSld>
+    <p:spTree>
+      <p:nvGrpSpPr>
+        <p:cNvPr id="1" name=""/>
+        <p:cNvGrpSpPr/>
+        <p:nvPr/>
+      </p:nvGrpSpPr>
+      <p:grpSpPr>
+        <a:xfrm>
+          <a:off x="0" y="0"/>
+          <a:ext cx="0" cy="0"/>
+          <a:chOff x="0" y="0"/>
+          <a:chExt cx="0" cy="0"/>
+        </a:xfrm>
+      </p:grpSpPr>
+      <p:pic>
+        <p:nvPicPr>
+          <p:cNvPr id="3" name="Imagen 2">
+            <a:extLst>
+              <a:ext uri="{FF2B5EF4-FFF2-40B4-BE49-F238E27FC236}">
+                <a16:creationId xmlns:a16="http://schemas.microsoft.com/office/drawing/2014/main" id="{C3EA1F00-2954-3CC3-9E2F-AF131E86A907}"/>
+              </a:ext>
+            </a:extLst>
+          </p:cNvPr>
+          <p:cNvPicPr>
+            <a:picLocks noChangeAspect="1"/>
+          </p:cNvPicPr>
+          <p:nvPr/>
+        </p:nvPicPr>
+        <p:blipFill>
+          <a:blip r:embed="rId2"/>
+          <a:stretch>
+            <a:fillRect/>
+          </a:stretch>
+        </p:blipFill>
+        <p:spPr>
+          <a:xfrm>
+            <a:off x="2152651" y="262592"/>
+            <a:ext cx="7324724" cy="5761970"/>
+          </a:xfrm>
+          <a:prstGeom prst="rect">
+            <a:avLst/>
+          </a:prstGeom>
+        </p:spPr>
+      </p:pic>
+    </p:spTree>
+    <p:extLst>
+      <p:ext uri="{BB962C8B-B14F-4D97-AF65-F5344CB8AC3E}">
+        <p14:creationId xmlns:p14="http://schemas.microsoft.com/office/powerpoint/2010/main" val="3838669698"/>
+      </p:ext>
+    </p:extLst>
+  </p:cSld>
+  <p:clrMapOvr>
+    <a:masterClrMapping/>
+  </p:clrMapOvr>
+</p:sld>
+</file>
+
+<file path=ppt/slides/slide9.xml><?xml version="1.0" encoding="utf-8"?>
 <p:sld xmlns:a="http://schemas.openxmlformats.org/drawingml/2006/main" xmlns:r="http://schemas.openxmlformats.org/officeDocument/2006/relationships" xmlns:p="http://schemas.openxmlformats.org/presentationml/2006/main">
   <p:cSld>
     <p:bg>
@@ -5712,10 +6905,10 @@
       </p:sp>
       <p:pic>
         <p:nvPicPr>
-          <p:cNvPr id="5" name="Imagen 4">
-            <a:extLst>
-              <a:ext uri="{FF2B5EF4-FFF2-40B4-BE49-F238E27FC236}">
-                <a16:creationId xmlns:a16="http://schemas.microsoft.com/office/drawing/2014/main" id="{AC68AE17-3874-9907-B132-963CE45488F6}"/>
+          <p:cNvPr id="4" name="Imagen 3">
+            <a:extLst>
+              <a:ext uri="{FF2B5EF4-FFF2-40B4-BE49-F238E27FC236}">
+                <a16:creationId xmlns:a16="http://schemas.microsoft.com/office/drawing/2014/main" id="{8AC32C29-BCDC-6021-1460-25631665161F}"/>
               </a:ext>
             </a:extLst>
           </p:cNvPr>
@@ -5724,15 +6917,16 @@
           </p:cNvPicPr>
           <p:nvPr/>
         </p:nvPicPr>
-        <p:blipFill rotWithShape="1">
+        <p:blipFill>
           <a:blip r:embed="rId2"/>
-          <a:srcRect l="11604" r="10957" b="-1"/>
-          <a:stretch/>
+          <a:stretch>
+            <a:fillRect/>
+          </a:stretch>
         </p:blipFill>
         <p:spPr>
           <a:xfrm>
-            <a:off x="253043" y="253672"/>
-            <a:ext cx="11685916" cy="5960754"/>
+            <a:off x="923726" y="1190625"/>
+            <a:ext cx="10547197" cy="4743450"/>
           </a:xfrm>
           <a:prstGeom prst="rect">
             <a:avLst/>
